--- a/Powershell ETL framework.pptx
+++ b/Powershell ETL framework.pptx
@@ -107,6 +107,11 @@
       </a:defRPr>
     </a:lvl9pPr>
   </p:defaultTextStyle>
+  <p:extLst>
+    <p:ext uri="{EFAFB233-063F-42B5-8137-9DF3F51BA10A}">
+      <p15:sldGuideLst xmlns:p15="http://schemas.microsoft.com/office/powerpoint/2012/main"/>
+    </p:ext>
+  </p:extLst>
 </p:presentation>
 </file>
 
@@ -280,7 +285,7 @@
             <a:fld id="{87DE6118-2437-4B30-8E3C-4D2BE6020583}" type="datetimeFigureOut">
               <a:rPr lang="en-US" dirty="0"/>
               <a:pPr/>
-              <a:t>12/18/2020</a:t>
+              <a:t>12/19/2020</a:t>
             </a:fld>
             <a:endParaRPr lang="en-US" dirty="0"/>
           </a:p>
@@ -606,7 +611,7 @@
           <a:p>
             <a:fld id="{87DE6118-2437-4B30-8E3C-4D2BE6020583}" type="datetimeFigureOut">
               <a:rPr lang="en-US" dirty="0"/>
-              <a:t>12/18/2020</a:t>
+              <a:t>12/19/2020</a:t>
             </a:fld>
             <a:endParaRPr lang="en-US" dirty="0"/>
           </a:p>
@@ -781,7 +786,7 @@
           <a:p>
             <a:fld id="{87DE6118-2437-4B30-8E3C-4D2BE6020583}" type="datetimeFigureOut">
               <a:rPr lang="en-US" dirty="0"/>
-              <a:t>12/18/2020</a:t>
+              <a:t>12/19/2020</a:t>
             </a:fld>
             <a:endParaRPr lang="en-US" dirty="0"/>
           </a:p>
@@ -946,7 +951,7 @@
           <a:p>
             <a:fld id="{87DE6118-2437-4B30-8E3C-4D2BE6020583}" type="datetimeFigureOut">
               <a:rPr lang="en-US" dirty="0"/>
-              <a:t>12/18/2020</a:t>
+              <a:t>12/19/2020</a:t>
             </a:fld>
             <a:endParaRPr lang="en-US" dirty="0"/>
           </a:p>
@@ -1219,7 +1224,7 @@
             <a:fld id="{87DE6118-2437-4B30-8E3C-4D2BE6020583}" type="datetimeFigureOut">
               <a:rPr lang="en-US" dirty="0"/>
               <a:pPr/>
-              <a:t>12/18/2020</a:t>
+              <a:t>12/19/2020</a:t>
             </a:fld>
             <a:endParaRPr lang="en-US" dirty="0"/>
           </a:p>
@@ -1609,7 +1614,7 @@
           <a:p>
             <a:fld id="{87DE6118-2437-4B30-8E3C-4D2BE6020583}" type="datetimeFigureOut">
               <a:rPr lang="en-US" dirty="0"/>
-              <a:t>12/18/2020</a:t>
+              <a:t>12/19/2020</a:t>
             </a:fld>
             <a:endParaRPr lang="en-US" dirty="0"/>
           </a:p>
@@ -2081,7 +2086,7 @@
           <a:p>
             <a:fld id="{87DE6118-2437-4B30-8E3C-4D2BE6020583}" type="datetimeFigureOut">
               <a:rPr lang="en-US" dirty="0"/>
-              <a:t>12/18/2020</a:t>
+              <a:t>12/19/2020</a:t>
             </a:fld>
             <a:endParaRPr lang="en-US" dirty="0"/>
           </a:p>
@@ -2194,7 +2199,7 @@
           <a:p>
             <a:fld id="{87DE6118-2437-4B30-8E3C-4D2BE6020583}" type="datetimeFigureOut">
               <a:rPr lang="en-US" dirty="0"/>
-              <a:t>12/18/2020</a:t>
+              <a:t>12/19/2020</a:t>
             </a:fld>
             <a:endParaRPr lang="en-US" dirty="0"/>
           </a:p>
@@ -2284,7 +2289,7 @@
           <a:p>
             <a:fld id="{87DE6118-2437-4B30-8E3C-4D2BE6020583}" type="datetimeFigureOut">
               <a:rPr lang="en-US" dirty="0"/>
-              <a:t>12/18/2020</a:t>
+              <a:t>12/19/2020</a:t>
             </a:fld>
             <a:endParaRPr lang="en-US" dirty="0"/>
           </a:p>
@@ -2626,7 +2631,7 @@
             <a:fld id="{87DE6118-2437-4B30-8E3C-4D2BE6020583}" type="datetimeFigureOut">
               <a:rPr lang="en-US" dirty="0"/>
               <a:pPr/>
-              <a:t>12/18/2020</a:t>
+              <a:t>12/19/2020</a:t>
             </a:fld>
             <a:endParaRPr lang="en-US" dirty="0"/>
           </a:p>
@@ -3011,7 +3016,7 @@
             <a:fld id="{87DE6118-2437-4B30-8E3C-4D2BE6020583}" type="datetimeFigureOut">
               <a:rPr lang="en-US" dirty="0"/>
               <a:pPr/>
-              <a:t>12/18/2020</a:t>
+              <a:t>12/19/2020</a:t>
             </a:fld>
             <a:endParaRPr lang="en-US" dirty="0"/>
           </a:p>
@@ -3286,7 +3291,7 @@
             <a:fld id="{87DE6118-2437-4B30-8E3C-4D2BE6020583}" type="datetimeFigureOut">
               <a:rPr lang="en-US" dirty="0"/>
               <a:pPr/>
-              <a:t>12/18/2020</a:t>
+              <a:t>12/19/2020</a:t>
             </a:fld>
             <a:endParaRPr lang="en-US" dirty="0"/>
           </a:p>
@@ -3944,7 +3949,7 @@
         </p:nvSpPr>
         <p:spPr>
           <a:xfrm>
-            <a:off x="1371600" y="1768415"/>
+            <a:off x="1371600" y="2067464"/>
             <a:ext cx="9601200" cy="4287328"/>
           </a:xfrm>
         </p:spPr>
@@ -3954,13 +3959,13 @@
           <a:p>
             <a:r>
               <a:rPr lang="en-US" dirty="0"/>
-              <a:t>I was the Data Conversion Lead for a company that provides a cloud-based application</a:t>
-            </a:r>
-          </a:p>
-          <a:p>
-            <a:r>
-              <a:rPr lang="en-US" dirty="0"/>
-              <a:t>We needed to get our customer’s data migrated to our application</a:t>
+              <a:t>I was the Data Conversion Lead for a company that provides a suite of cloud-based applications</a:t>
+            </a:r>
+          </a:p>
+          <a:p>
+            <a:r>
+              <a:rPr lang="en-US" dirty="0"/>
+              <a:t>We needed to get our customer’s data migrated to our applications</a:t>
             </a:r>
           </a:p>
           <a:p>
@@ -3978,20 +3983,17 @@
           <a:p>
             <a:r>
               <a:rPr lang="en-US" dirty="0"/>
-              <a:t>Successfully completing data conversion is essential to migrating our customer to our system</a:t>
-            </a:r>
-          </a:p>
-          <a:p>
-            <a:r>
-              <a:rPr lang="en-US" dirty="0"/>
-              <a:t>How do we build a Data Conversion application that initially handles whatever data the customer provides?</a:t>
-            </a:r>
-          </a:p>
-          <a:p>
-            <a:r>
-              <a:rPr lang="en-US" dirty="0"/>
-              <a:t>Almost every customer can provide data in delimited text files; e.g. CSV</a:t>
-            </a:r>
+              <a:t>Successfully completing data conversion is essential to our customer migrating to our system</a:t>
+            </a:r>
+          </a:p>
+          <a:p>
+            <a:r>
+              <a:rPr lang="en-US" dirty="0"/>
+              <a:t>How do we build a Data Conversion application that can load whatever data the customer provides into our system?</a:t>
+            </a:r>
+          </a:p>
+          <a:p>
+            <a:endParaRPr lang="en-US" dirty="0"/>
           </a:p>
           <a:p>
             <a:endParaRPr lang="en-US" dirty="0"/>
@@ -4079,13 +4081,13 @@
           <a:p>
             <a:r>
               <a:rPr lang="en-US" dirty="0"/>
-              <a:t>Import a .CSV file into a SQL Server staging table</a:t>
-            </a:r>
-          </a:p>
-          <a:p>
-            <a:r>
-              <a:rPr lang="en-US" dirty="0"/>
-              <a:t>Map .CSV file name to staging table name</a:t>
+              <a:t>Customer uploads their CSV files to a designated folder</a:t>
+            </a:r>
+          </a:p>
+          <a:p>
+            <a:r>
+              <a:rPr lang="en-US" dirty="0"/>
+              <a:t>Map CSV file name to a staging table name</a:t>
             </a:r>
           </a:p>
           <a:p>
@@ -4097,11 +4099,13 @@
           <a:p>
             <a:r>
               <a:rPr lang="en-US" dirty="0"/>
-              <a:t>Implement simple business rules to import 1 to N .CSV files from </a:t>
-            </a:r>
-            <a:r>
-              <a:rPr lang="en-US"/>
-              <a:t>a folder</a:t>
+              <a:t>Import each CSV file into a SQL Server staging table</a:t>
+            </a:r>
+          </a:p>
+          <a:p>
+            <a:r>
+              <a:rPr lang="en-US" dirty="0"/>
+              <a:t>Implement simple business rules to import 1 to N CSV files from a folder</a:t>
             </a:r>
           </a:p>
           <a:p>
@@ -4208,31 +4212,29 @@
           <a:p>
             <a:r>
               <a:rPr lang="en-US" dirty="0"/>
-              <a:t>Provide 1 Cmdlet to initialize the top-level folder structure for importing .CSV files</a:t>
-            </a:r>
-          </a:p>
-          <a:p>
-            <a:r>
-              <a:rPr lang="en-US" dirty="0"/>
-              <a:t>Associate .CSV files with an  “Application” </a:t>
-            </a:r>
-          </a:p>
-          <a:p>
-            <a:r>
-              <a:rPr lang="en-US" dirty="0"/>
-              <a:t>Provide 1 Cmdlet to initialize the underlying folder structure for an Application</a:t>
-            </a:r>
-          </a:p>
-          <a:p>
-            <a:r>
-              <a:rPr lang="en-US" dirty="0"/>
-              <a:t>Provide 1 Cmdlet to import 1 – N .CSV files and load to SQL Server tables</a:t>
-            </a:r>
-          </a:p>
-          <a:p>
-            <a:r>
-              <a:rPr lang="en-US" dirty="0"/>
-              <a:t>Pass all necessary parameter values to the import Cmdlet </a:t>
+              <a:t>Provide 1 Cmdlet to initialize the top-level folder structure for importing CSV files</a:t>
+            </a:r>
+          </a:p>
+          <a:p>
+            <a:r>
+              <a:rPr lang="en-US" dirty="0"/>
+              <a:t>Provide 1 Cmdlet to initialize the underlying folder structure for a Customer</a:t>
+            </a:r>
+          </a:p>
+          <a:p>
+            <a:r>
+              <a:rPr lang="en-US" dirty="0"/>
+              <a:t>Provide 1 Cmdlet to import 1 – N CSV files and load to SQL Server tables</a:t>
+            </a:r>
+          </a:p>
+          <a:p>
+            <a:r>
+              <a:rPr lang="en-US"/>
+              <a:t>Execute </a:t>
+            </a:r>
+            <a:r>
+              <a:rPr lang="en-US" dirty="0"/>
+              <a:t>PowerShell Cmdlets from SQL Agent Job steps</a:t>
             </a:r>
           </a:p>
           <a:p>

--- a/Powershell ETL framework.pptx
+++ b/Powershell ETL framework.pptx
@@ -4229,12 +4229,8 @@
           </a:p>
           <a:p>
             <a:r>
-              <a:rPr lang="en-US"/>
-              <a:t>Execute </a:t>
-            </a:r>
-            <a:r>
-              <a:rPr lang="en-US" dirty="0"/>
-              <a:t>PowerShell Cmdlets from SQL Agent Job steps</a:t>
+              <a:rPr lang="en-US" dirty="0"/>
+              <a:t>Execute PowerShell Cmdlets from SQL Agent Job steps</a:t>
             </a:r>
           </a:p>
           <a:p>

--- a/Powershell ETL framework.pptx
+++ b/Powershell ETL framework.pptx
@@ -9,6 +9,7 @@
     <p:sldId id="259" r:id="rId3"/>
     <p:sldId id="257" r:id="rId4"/>
     <p:sldId id="258" r:id="rId5"/>
+    <p:sldId id="260" r:id="rId6"/>
   </p:sldIdLst>
   <p:sldSz cx="12192000" cy="6858000"/>
   <p:notesSz cx="6858000" cy="9144000"/>
@@ -4254,6 +4255,103 @@
 </p:sld>
 </file>
 
+<file path=ppt/slides/slide5.xml><?xml version="1.0" encoding="utf-8"?>
+<p:sld xmlns:a="http://schemas.openxmlformats.org/drawingml/2006/main" xmlns:r="http://schemas.openxmlformats.org/officeDocument/2006/relationships" xmlns:p="http://schemas.openxmlformats.org/presentationml/2006/main">
+  <p:cSld>
+    <p:spTree>
+      <p:nvGrpSpPr>
+        <p:cNvPr id="1" name=""/>
+        <p:cNvGrpSpPr/>
+        <p:nvPr/>
+      </p:nvGrpSpPr>
+      <p:grpSpPr>
+        <a:xfrm>
+          <a:off x="0" y="0"/>
+          <a:ext cx="0" cy="0"/>
+          <a:chOff x="0" y="0"/>
+          <a:chExt cx="0" cy="0"/>
+        </a:xfrm>
+      </p:grpSpPr>
+      <p:sp>
+        <p:nvSpPr>
+          <p:cNvPr id="2" name="Title 1">
+            <a:extLst>
+              <a:ext uri="{FF2B5EF4-FFF2-40B4-BE49-F238E27FC236}">
+                <a16:creationId xmlns:a16="http://schemas.microsoft.com/office/drawing/2014/main" id="{8727F368-48D4-4887-9ED3-259543C185F5}"/>
+              </a:ext>
+            </a:extLst>
+          </p:cNvPr>
+          <p:cNvSpPr>
+            <a:spLocks noGrp="1"/>
+          </p:cNvSpPr>
+          <p:nvPr>
+            <p:ph type="title"/>
+          </p:nvPr>
+        </p:nvSpPr>
+        <p:spPr/>
+        <p:txBody>
+          <a:bodyPr/>
+          <a:lstStyle/>
+          <a:p>
+            <a:r>
+              <a:rPr lang="en-US" dirty="0"/>
+              <a:t>Version 1 </a:t>
+            </a:r>
+            <a:r>
+              <a:rPr lang="en-US"/>
+              <a:t>Implementation Conventions</a:t>
+            </a:r>
+            <a:endParaRPr lang="en-US" dirty="0"/>
+          </a:p>
+        </p:txBody>
+      </p:sp>
+      <p:sp>
+        <p:nvSpPr>
+          <p:cNvPr id="3" name="Content Placeholder 2">
+            <a:extLst>
+              <a:ext uri="{FF2B5EF4-FFF2-40B4-BE49-F238E27FC236}">
+                <a16:creationId xmlns:a16="http://schemas.microsoft.com/office/drawing/2014/main" id="{AE457F89-343C-48E7-9B47-BEAAEC91B52E}"/>
+              </a:ext>
+            </a:extLst>
+          </p:cNvPr>
+          <p:cNvSpPr>
+            <a:spLocks noGrp="1"/>
+          </p:cNvSpPr>
+          <p:nvPr>
+            <p:ph idx="1"/>
+          </p:nvPr>
+        </p:nvSpPr>
+        <p:spPr/>
+        <p:txBody>
+          <a:bodyPr/>
+          <a:lstStyle/>
+          <a:p>
+            <a:r>
+              <a:rPr lang="en-US" dirty="0"/>
+              <a:t>Import .CSV files</a:t>
+            </a:r>
+          </a:p>
+          <a:p>
+            <a:r>
+              <a:rPr lang="en-US" dirty="0"/>
+              <a:t>Table name is CSV file name without extension</a:t>
+            </a:r>
+          </a:p>
+        </p:txBody>
+      </p:sp>
+    </p:spTree>
+    <p:extLst>
+      <p:ext uri="{BB962C8B-B14F-4D97-AF65-F5344CB8AC3E}">
+        <p14:creationId xmlns:p14="http://schemas.microsoft.com/office/powerpoint/2010/main" val="1553196772"/>
+      </p:ext>
+    </p:extLst>
+  </p:cSld>
+  <p:clrMapOvr>
+    <a:masterClrMapping/>
+  </p:clrMapOvr>
+</p:sld>
+</file>
+
 <file path=ppt/theme/theme1.xml><?xml version="1.0" encoding="utf-8"?>
 <a:theme xmlns:a="http://schemas.openxmlformats.org/drawingml/2006/main" name="Crop">
   <a:themeElements>

--- a/Powershell ETL framework.pptx
+++ b/Powershell ETL framework.pptx
@@ -4295,13 +4295,8 @@
           <a:p>
             <a:r>
               <a:rPr lang="en-US" dirty="0"/>
-              <a:t>Version 1 </a:t>
-            </a:r>
-            <a:r>
-              <a:rPr lang="en-US"/>
-              <a:t>Implementation Conventions</a:t>
-            </a:r>
-            <a:endParaRPr lang="en-US" dirty="0"/>
+              <a:t>Version 1 Implementation Conventions</a:t>
+            </a:r>
           </a:p>
         </p:txBody>
       </p:sp>
@@ -4336,6 +4331,45 @@
               <a:rPr lang="en-US" dirty="0"/>
               <a:t>Table name is CSV file name without extension</a:t>
             </a:r>
+          </a:p>
+          <a:p>
+            <a:r>
+              <a:rPr lang="en-US" dirty="0"/>
+              <a:t>Import Folder Structure</a:t>
+            </a:r>
+          </a:p>
+          <a:p>
+            <a:pPr lvl="1"/>
+            <a:r>
+              <a:rPr lang="en-US" dirty="0"/>
+              <a:t>Top-Level Folder: C:\EXTERNAL-FILES</a:t>
+            </a:r>
+          </a:p>
+          <a:p>
+            <a:pPr lvl="1"/>
+            <a:r>
+              <a:rPr lang="en-US" dirty="0"/>
+              <a:t>Level-1 Folders: Customer name</a:t>
+            </a:r>
+          </a:p>
+          <a:p>
+            <a:pPr lvl="1"/>
+            <a:r>
+              <a:rPr lang="en-US" dirty="0"/>
+              <a:t>Level-2 Folders: IMPORT</a:t>
+            </a:r>
+            <a:r>
+              <a:rPr lang="en-US"/>
+              <a:t>, ARCHIVE</a:t>
+            </a:r>
+            <a:r>
+              <a:rPr lang="en-US" dirty="0"/>
+              <a:t>, and LOG</a:t>
+            </a:r>
+          </a:p>
+          <a:p>
+            <a:pPr lvl="1"/>
+            <a:endParaRPr lang="en-US" dirty="0"/>
           </a:p>
         </p:txBody>
       </p:sp>

--- a/Powershell ETL framework.pptx
+++ b/Powershell ETL framework.pptx
@@ -10,6 +10,9 @@
     <p:sldId id="257" r:id="rId4"/>
     <p:sldId id="258" r:id="rId5"/>
     <p:sldId id="260" r:id="rId6"/>
+    <p:sldId id="261" r:id="rId7"/>
+    <p:sldId id="262" r:id="rId8"/>
+    <p:sldId id="263" r:id="rId9"/>
   </p:sldIdLst>
   <p:sldSz cx="12192000" cy="6858000"/>
   <p:notesSz cx="6858000" cy="9144000"/>
@@ -4207,8 +4210,13 @@
           <a:p>
             <a:r>
               <a:rPr lang="en-US" dirty="0"/>
-              <a:t>Implement PowerShell code in a module </a:t>
-            </a:r>
+              <a:t>Implement PowerShell code in a module called </a:t>
+            </a:r>
+            <a:r>
+              <a:rPr lang="en-US" dirty="0" err="1"/>
+              <a:t>ImportFramework</a:t>
+            </a:r>
+            <a:endParaRPr lang="en-US" dirty="0"/>
           </a:p>
           <a:p>
             <a:r>
@@ -4323,13 +4331,13 @@
           <a:p>
             <a:r>
               <a:rPr lang="en-US" dirty="0"/>
-              <a:t>Import .CSV files</a:t>
-            </a:r>
-          </a:p>
-          <a:p>
-            <a:r>
-              <a:rPr lang="en-US" dirty="0"/>
-              <a:t>Table name is CSV file name without extension</a:t>
+              <a:t>Import .CSV files only</a:t>
+            </a:r>
+          </a:p>
+          <a:p>
+            <a:r>
+              <a:rPr lang="en-US" dirty="0"/>
+              <a:t>Staging table name is CSV file name without extension</a:t>
             </a:r>
           </a:p>
           <a:p>
@@ -4349,22 +4357,19 @@
             <a:pPr lvl="1"/>
             <a:r>
               <a:rPr lang="en-US" dirty="0"/>
-              <a:t>Level-1 Folders: Customer name</a:t>
-            </a:r>
+              <a:t>Level-1 Folders: </a:t>
+            </a:r>
+            <a:r>
+              <a:rPr lang="en-US"/>
+              <a:t>Customer abbreviation</a:t>
+            </a:r>
+            <a:endParaRPr lang="en-US" dirty="0"/>
           </a:p>
           <a:p>
             <a:pPr lvl="1"/>
             <a:r>
               <a:rPr lang="en-US" dirty="0"/>
-              <a:t>Level-2 Folders: IMPORT</a:t>
-            </a:r>
-            <a:r>
-              <a:rPr lang="en-US"/>
-              <a:t>, ARCHIVE</a:t>
-            </a:r>
-            <a:r>
-              <a:rPr lang="en-US" dirty="0"/>
-              <a:t>, and LOG</a:t>
+              <a:t>Level-2 Folders: IMPORT, ARCHIVE, and LOG</a:t>
             </a:r>
           </a:p>
           <a:p>
@@ -4377,6 +4382,432 @@
     <p:extLst>
       <p:ext uri="{BB962C8B-B14F-4D97-AF65-F5344CB8AC3E}">
         <p14:creationId xmlns:p14="http://schemas.microsoft.com/office/powerpoint/2010/main" val="1553196772"/>
+      </p:ext>
+    </p:extLst>
+  </p:cSld>
+  <p:clrMapOvr>
+    <a:masterClrMapping/>
+  </p:clrMapOvr>
+</p:sld>
+</file>
+
+<file path=ppt/slides/slide6.xml><?xml version="1.0" encoding="utf-8"?>
+<p:sld xmlns:a="http://schemas.openxmlformats.org/drawingml/2006/main" xmlns:r="http://schemas.openxmlformats.org/officeDocument/2006/relationships" xmlns:p="http://schemas.openxmlformats.org/presentationml/2006/main">
+  <p:cSld>
+    <p:spTree>
+      <p:nvGrpSpPr>
+        <p:cNvPr id="1" name=""/>
+        <p:cNvGrpSpPr/>
+        <p:nvPr/>
+      </p:nvGrpSpPr>
+      <p:grpSpPr>
+        <a:xfrm>
+          <a:off x="0" y="0"/>
+          <a:ext cx="0" cy="0"/>
+          <a:chOff x="0" y="0"/>
+          <a:chExt cx="0" cy="0"/>
+        </a:xfrm>
+      </p:grpSpPr>
+      <p:sp>
+        <p:nvSpPr>
+          <p:cNvPr id="2" name="Title 1">
+            <a:extLst>
+              <a:ext uri="{FF2B5EF4-FFF2-40B4-BE49-F238E27FC236}">
+                <a16:creationId xmlns:a16="http://schemas.microsoft.com/office/drawing/2014/main" id="{C12B4369-4798-4076-B256-7314E3FE2E1E}"/>
+              </a:ext>
+            </a:extLst>
+          </p:cNvPr>
+          <p:cNvSpPr>
+            <a:spLocks noGrp="1"/>
+          </p:cNvSpPr>
+          <p:nvPr>
+            <p:ph type="title"/>
+          </p:nvPr>
+        </p:nvSpPr>
+        <p:spPr/>
+        <p:txBody>
+          <a:bodyPr/>
+          <a:lstStyle/>
+          <a:p>
+            <a:r>
+              <a:rPr lang="en-US" dirty="0"/>
+              <a:t>Review Cmdlets in </a:t>
+            </a:r>
+            <a:r>
+              <a:rPr lang="en-US" dirty="0" err="1"/>
+              <a:t>ImportFramework</a:t>
+            </a:r>
+            <a:r>
+              <a:rPr lang="en-US" dirty="0"/>
+              <a:t> Module</a:t>
+            </a:r>
+          </a:p>
+        </p:txBody>
+      </p:sp>
+      <p:sp>
+        <p:nvSpPr>
+          <p:cNvPr id="3" name="Content Placeholder 2">
+            <a:extLst>
+              <a:ext uri="{FF2B5EF4-FFF2-40B4-BE49-F238E27FC236}">
+                <a16:creationId xmlns:a16="http://schemas.microsoft.com/office/drawing/2014/main" id="{89FBB29B-D904-47AC-BBFA-09E2BADE5862}"/>
+              </a:ext>
+            </a:extLst>
+          </p:cNvPr>
+          <p:cNvSpPr>
+            <a:spLocks noGrp="1"/>
+          </p:cNvSpPr>
+          <p:nvPr>
+            <p:ph idx="1"/>
+          </p:nvPr>
+        </p:nvSpPr>
+        <p:spPr/>
+        <p:txBody>
+          <a:bodyPr/>
+          <a:lstStyle/>
+          <a:p>
+            <a:r>
+              <a:rPr lang="en-US" sz="1800" dirty="0">
+                <a:solidFill>
+                  <a:srgbClr val="0000FF"/>
+                </a:solidFill>
+                <a:latin typeface="Lucida Console" panose="020B0609040504020204" pitchFamily="49" charset="0"/>
+              </a:rPr>
+              <a:t>Get-</a:t>
+            </a:r>
+            <a:r>
+              <a:rPr lang="en-US" sz="1800" dirty="0" err="1">
+                <a:solidFill>
+                  <a:srgbClr val="0000FF"/>
+                </a:solidFill>
+                <a:latin typeface="Lucida Console" panose="020B0609040504020204" pitchFamily="49" charset="0"/>
+              </a:rPr>
+              <a:t>ImportFrameworkConfiguration</a:t>
+            </a:r>
+            <a:r>
+              <a:rPr lang="en-US" sz="1800" dirty="0">
+                <a:solidFill>
+                  <a:srgbClr val="0000FF"/>
+                </a:solidFill>
+                <a:latin typeface="Lucida Console" panose="020B0609040504020204" pitchFamily="49" charset="0"/>
+              </a:rPr>
+              <a:t>: get configuration data in module </a:t>
+            </a:r>
+          </a:p>
+          <a:p>
+            <a:r>
+              <a:rPr lang="en-US" sz="1800" dirty="0">
+                <a:solidFill>
+                  <a:srgbClr val="0000FF"/>
+                </a:solidFill>
+                <a:latin typeface="Lucida Console" panose="020B0609040504020204" pitchFamily="49" charset="0"/>
+              </a:rPr>
+              <a:t>Get-</a:t>
+            </a:r>
+            <a:r>
+              <a:rPr lang="en-US" sz="1800" dirty="0" err="1">
+                <a:solidFill>
+                  <a:srgbClr val="0000FF"/>
+                </a:solidFill>
+                <a:latin typeface="Lucida Console" panose="020B0609040504020204" pitchFamily="49" charset="0"/>
+              </a:rPr>
+              <a:t>CsvCustomerPath</a:t>
+            </a:r>
+            <a:r>
+              <a:rPr lang="en-US" sz="1800" dirty="0">
+                <a:solidFill>
+                  <a:srgbClr val="0000FF"/>
+                </a:solidFill>
+                <a:latin typeface="Lucida Console" panose="020B0609040504020204" pitchFamily="49" charset="0"/>
+              </a:rPr>
+              <a:t>: get full path to the customer import folder; CSV files get dropped here  </a:t>
+            </a:r>
+          </a:p>
+          <a:p>
+            <a:r>
+              <a:rPr lang="en-US" sz="1800" dirty="0">
+                <a:solidFill>
+                  <a:srgbClr val="0000FF"/>
+                </a:solidFill>
+                <a:latin typeface="Lucida Console" panose="020B0609040504020204" pitchFamily="49" charset="0"/>
+              </a:rPr>
+              <a:t>Get-</a:t>
+            </a:r>
+            <a:r>
+              <a:rPr lang="en-US" sz="1800" dirty="0" err="1">
+                <a:solidFill>
+                  <a:srgbClr val="0000FF"/>
+                </a:solidFill>
+                <a:latin typeface="Lucida Console" panose="020B0609040504020204" pitchFamily="49" charset="0"/>
+              </a:rPr>
+              <a:t>AvailableCsvCustomerFile</a:t>
+            </a:r>
+            <a:r>
+              <a:rPr lang="en-US" sz="1800" dirty="0">
+                <a:solidFill>
+                  <a:srgbClr val="0000FF"/>
+                </a:solidFill>
+                <a:latin typeface="Lucida Console" panose="020B0609040504020204" pitchFamily="49" charset="0"/>
+              </a:rPr>
+              <a:t>: get the list of CSV files in the customer import folder </a:t>
+            </a:r>
+          </a:p>
+          <a:p>
+            <a:r>
+              <a:rPr lang="en-US" sz="1800" dirty="0">
+                <a:solidFill>
+                  <a:srgbClr val="0000FF"/>
+                </a:solidFill>
+                <a:latin typeface="Lucida Console" panose="020B0609040504020204" pitchFamily="49" charset="0"/>
+              </a:rPr>
+              <a:t>Import-</a:t>
+            </a:r>
+            <a:r>
+              <a:rPr lang="en-US" sz="1800" dirty="0" err="1">
+                <a:solidFill>
+                  <a:srgbClr val="0000FF"/>
+                </a:solidFill>
+                <a:latin typeface="Lucida Console" panose="020B0609040504020204" pitchFamily="49" charset="0"/>
+              </a:rPr>
+              <a:t>CsvCustomerFile</a:t>
+            </a:r>
+            <a:r>
+              <a:rPr lang="en-US" sz="1800" dirty="0">
+                <a:solidFill>
+                  <a:srgbClr val="0000FF"/>
+                </a:solidFill>
+                <a:latin typeface="Lucida Console" panose="020B0609040504020204" pitchFamily="49" charset="0"/>
+              </a:rPr>
+              <a:t>: import the available CSV files into their respective staging tables; move import files to archive folder  </a:t>
+            </a:r>
+          </a:p>
+          <a:p>
+            <a:endParaRPr lang="en-US" sz="1800" dirty="0">
+              <a:solidFill>
+                <a:srgbClr val="0000FF"/>
+              </a:solidFill>
+              <a:latin typeface="Lucida Console" panose="020B0609040504020204" pitchFamily="49" charset="0"/>
+            </a:endParaRPr>
+          </a:p>
+          <a:p>
+            <a:endParaRPr lang="en-US" sz="1800" dirty="0">
+              <a:solidFill>
+                <a:srgbClr val="0000FF"/>
+              </a:solidFill>
+              <a:latin typeface="Lucida Console" panose="020B0609040504020204" pitchFamily="49" charset="0"/>
+            </a:endParaRPr>
+          </a:p>
+          <a:p>
+            <a:endParaRPr lang="en-US" sz="1800" dirty="0">
+              <a:solidFill>
+                <a:srgbClr val="0000FF"/>
+              </a:solidFill>
+              <a:latin typeface="Lucida Console" panose="020B0609040504020204" pitchFamily="49" charset="0"/>
+            </a:endParaRPr>
+          </a:p>
+          <a:p>
+            <a:endParaRPr lang="en-US" dirty="0"/>
+          </a:p>
+        </p:txBody>
+      </p:sp>
+    </p:spTree>
+    <p:extLst>
+      <p:ext uri="{BB962C8B-B14F-4D97-AF65-F5344CB8AC3E}">
+        <p14:creationId xmlns:p14="http://schemas.microsoft.com/office/powerpoint/2010/main" val="1505845201"/>
+      </p:ext>
+    </p:extLst>
+  </p:cSld>
+  <p:clrMapOvr>
+    <a:masterClrMapping/>
+  </p:clrMapOvr>
+</p:sld>
+</file>
+
+<file path=ppt/slides/slide7.xml><?xml version="1.0" encoding="utf-8"?>
+<p:sld xmlns:a="http://schemas.openxmlformats.org/drawingml/2006/main" xmlns:r="http://schemas.openxmlformats.org/officeDocument/2006/relationships" xmlns:p="http://schemas.openxmlformats.org/presentationml/2006/main">
+  <p:cSld>
+    <p:spTree>
+      <p:nvGrpSpPr>
+        <p:cNvPr id="1" name=""/>
+        <p:cNvGrpSpPr/>
+        <p:nvPr/>
+      </p:nvGrpSpPr>
+      <p:grpSpPr>
+        <a:xfrm>
+          <a:off x="0" y="0"/>
+          <a:ext cx="0" cy="0"/>
+          <a:chOff x="0" y="0"/>
+          <a:chExt cx="0" cy="0"/>
+        </a:xfrm>
+      </p:grpSpPr>
+      <p:sp>
+        <p:nvSpPr>
+          <p:cNvPr id="2" name="Title 1">
+            <a:extLst>
+              <a:ext uri="{FF2B5EF4-FFF2-40B4-BE49-F238E27FC236}">
+                <a16:creationId xmlns:a16="http://schemas.microsoft.com/office/drawing/2014/main" id="{3ACC5081-6657-4055-A7BA-43C0E043B1E8}"/>
+              </a:ext>
+            </a:extLst>
+          </p:cNvPr>
+          <p:cNvSpPr>
+            <a:spLocks noGrp="1"/>
+          </p:cNvSpPr>
+          <p:nvPr>
+            <p:ph type="title"/>
+          </p:nvPr>
+        </p:nvSpPr>
+        <p:spPr/>
+        <p:txBody>
+          <a:bodyPr/>
+          <a:lstStyle/>
+          <a:p>
+            <a:r>
+              <a:rPr lang="en-US" dirty="0"/>
+              <a:t>Demo</a:t>
+            </a:r>
+          </a:p>
+        </p:txBody>
+      </p:sp>
+      <p:sp>
+        <p:nvSpPr>
+          <p:cNvPr id="3" name="Content Placeholder 2">
+            <a:extLst>
+              <a:ext uri="{FF2B5EF4-FFF2-40B4-BE49-F238E27FC236}">
+                <a16:creationId xmlns:a16="http://schemas.microsoft.com/office/drawing/2014/main" id="{8B63C7D9-019A-433B-9A26-F2581A948D1C}"/>
+              </a:ext>
+            </a:extLst>
+          </p:cNvPr>
+          <p:cNvSpPr>
+            <a:spLocks noGrp="1"/>
+          </p:cNvSpPr>
+          <p:nvPr>
+            <p:ph idx="1"/>
+          </p:nvPr>
+        </p:nvSpPr>
+        <p:spPr/>
+        <p:txBody>
+          <a:bodyPr/>
+          <a:lstStyle/>
+          <a:p>
+            <a:endParaRPr lang="en-US"/>
+          </a:p>
+        </p:txBody>
+      </p:sp>
+    </p:spTree>
+    <p:extLst>
+      <p:ext uri="{BB962C8B-B14F-4D97-AF65-F5344CB8AC3E}">
+        <p14:creationId xmlns:p14="http://schemas.microsoft.com/office/powerpoint/2010/main" val="2997414935"/>
+      </p:ext>
+    </p:extLst>
+  </p:cSld>
+  <p:clrMapOvr>
+    <a:masterClrMapping/>
+  </p:clrMapOvr>
+</p:sld>
+</file>
+
+<file path=ppt/slides/slide8.xml><?xml version="1.0" encoding="utf-8"?>
+<p:sld xmlns:a="http://schemas.openxmlformats.org/drawingml/2006/main" xmlns:r="http://schemas.openxmlformats.org/officeDocument/2006/relationships" xmlns:p="http://schemas.openxmlformats.org/presentationml/2006/main">
+  <p:cSld>
+    <p:spTree>
+      <p:nvGrpSpPr>
+        <p:cNvPr id="1" name=""/>
+        <p:cNvGrpSpPr/>
+        <p:nvPr/>
+      </p:nvGrpSpPr>
+      <p:grpSpPr>
+        <a:xfrm>
+          <a:off x="0" y="0"/>
+          <a:ext cx="0" cy="0"/>
+          <a:chOff x="0" y="0"/>
+          <a:chExt cx="0" cy="0"/>
+        </a:xfrm>
+      </p:grpSpPr>
+      <p:sp>
+        <p:nvSpPr>
+          <p:cNvPr id="2" name="Title 1">
+            <a:extLst>
+              <a:ext uri="{FF2B5EF4-FFF2-40B4-BE49-F238E27FC236}">
+                <a16:creationId xmlns:a16="http://schemas.microsoft.com/office/drawing/2014/main" id="{B8368FE9-12DF-4A34-9FBD-79DFC7C75700}"/>
+              </a:ext>
+            </a:extLst>
+          </p:cNvPr>
+          <p:cNvSpPr>
+            <a:spLocks noGrp="1"/>
+          </p:cNvSpPr>
+          <p:nvPr>
+            <p:ph type="title"/>
+          </p:nvPr>
+        </p:nvSpPr>
+        <p:spPr/>
+        <p:txBody>
+          <a:bodyPr/>
+          <a:lstStyle/>
+          <a:p>
+            <a:r>
+              <a:rPr lang="en-US" dirty="0"/>
+              <a:t>Book References</a:t>
+            </a:r>
+          </a:p>
+        </p:txBody>
+      </p:sp>
+      <p:sp>
+        <p:nvSpPr>
+          <p:cNvPr id="3" name="Content Placeholder 2">
+            <a:extLst>
+              <a:ext uri="{FF2B5EF4-FFF2-40B4-BE49-F238E27FC236}">
+                <a16:creationId xmlns:a16="http://schemas.microsoft.com/office/drawing/2014/main" id="{30A4F501-4D00-41C3-B198-E9B27E5553ED}"/>
+              </a:ext>
+            </a:extLst>
+          </p:cNvPr>
+          <p:cNvSpPr>
+            <a:spLocks noGrp="1"/>
+          </p:cNvSpPr>
+          <p:nvPr>
+            <p:ph idx="1"/>
+          </p:nvPr>
+        </p:nvSpPr>
+        <p:spPr/>
+        <p:txBody>
+          <a:bodyPr/>
+          <a:lstStyle/>
+          <a:p>
+            <a:r>
+              <a:rPr lang="en-US" dirty="0"/>
+              <a:t>Learn Windows PowerShell in a Month of Lunches by Don Jones and Jeffery Hicks</a:t>
+            </a:r>
+          </a:p>
+          <a:p>
+            <a:r>
+              <a:rPr lang="en-US" dirty="0"/>
+              <a:t>Learn PowerShell Scripting in a Month of Lunches by Don Jones and Jeffery Hicks</a:t>
+            </a:r>
+          </a:p>
+          <a:p>
+            <a:r>
+              <a:rPr lang="en-US" dirty="0"/>
+              <a:t>Windows PowerShell Cookbook by Lee Holmes</a:t>
+            </a:r>
+          </a:p>
+          <a:p>
+            <a:r>
+              <a:rPr lang="en-US" dirty="0"/>
+              <a:t>Windows PowerShell for Developers: Enhance Your Productivity and Enable Rapid Application Development </a:t>
+            </a:r>
+            <a:r>
+              <a:rPr lang="en-US"/>
+              <a:t>by Douglas Finke</a:t>
+            </a:r>
+            <a:endParaRPr lang="en-US" dirty="0"/>
+          </a:p>
+          <a:p>
+            <a:endParaRPr lang="en-US" dirty="0"/>
+          </a:p>
+        </p:txBody>
+      </p:sp>
+    </p:spTree>
+    <p:extLst>
+      <p:ext uri="{BB962C8B-B14F-4D97-AF65-F5344CB8AC3E}">
+        <p14:creationId xmlns:p14="http://schemas.microsoft.com/office/powerpoint/2010/main" val="1343061872"/>
       </p:ext>
     </p:extLst>
   </p:cSld>

--- a/Powershell ETL framework.pptx
+++ b/Powershell ETL framework.pptx
@@ -7,12 +7,13 @@
   <p:sldIdLst>
     <p:sldId id="256" r:id="rId2"/>
     <p:sldId id="259" r:id="rId3"/>
-    <p:sldId id="257" r:id="rId4"/>
-    <p:sldId id="258" r:id="rId5"/>
-    <p:sldId id="260" r:id="rId6"/>
-    <p:sldId id="261" r:id="rId7"/>
-    <p:sldId id="262" r:id="rId8"/>
-    <p:sldId id="263" r:id="rId9"/>
+    <p:sldId id="264" r:id="rId4"/>
+    <p:sldId id="257" r:id="rId5"/>
+    <p:sldId id="258" r:id="rId6"/>
+    <p:sldId id="260" r:id="rId7"/>
+    <p:sldId id="261" r:id="rId8"/>
+    <p:sldId id="262" r:id="rId9"/>
+    <p:sldId id="263" r:id="rId10"/>
   </p:sldIdLst>
   <p:sldSz cx="12192000" cy="6858000"/>
   <p:notesSz cx="6858000" cy="9144000"/>
@@ -289,7 +290,7 @@
             <a:fld id="{87DE6118-2437-4B30-8E3C-4D2BE6020583}" type="datetimeFigureOut">
               <a:rPr lang="en-US" dirty="0"/>
               <a:pPr/>
-              <a:t>12/19/2020</a:t>
+              <a:t>12/20/2020</a:t>
             </a:fld>
             <a:endParaRPr lang="en-US" dirty="0"/>
           </a:p>
@@ -615,7 +616,7 @@
           <a:p>
             <a:fld id="{87DE6118-2437-4B30-8E3C-4D2BE6020583}" type="datetimeFigureOut">
               <a:rPr lang="en-US" dirty="0"/>
-              <a:t>12/19/2020</a:t>
+              <a:t>12/20/2020</a:t>
             </a:fld>
             <a:endParaRPr lang="en-US" dirty="0"/>
           </a:p>
@@ -790,7 +791,7 @@
           <a:p>
             <a:fld id="{87DE6118-2437-4B30-8E3C-4D2BE6020583}" type="datetimeFigureOut">
               <a:rPr lang="en-US" dirty="0"/>
-              <a:t>12/19/2020</a:t>
+              <a:t>12/20/2020</a:t>
             </a:fld>
             <a:endParaRPr lang="en-US" dirty="0"/>
           </a:p>
@@ -955,7 +956,7 @@
           <a:p>
             <a:fld id="{87DE6118-2437-4B30-8E3C-4D2BE6020583}" type="datetimeFigureOut">
               <a:rPr lang="en-US" dirty="0"/>
-              <a:t>12/19/2020</a:t>
+              <a:t>12/20/2020</a:t>
             </a:fld>
             <a:endParaRPr lang="en-US" dirty="0"/>
           </a:p>
@@ -1228,7 +1229,7 @@
             <a:fld id="{87DE6118-2437-4B30-8E3C-4D2BE6020583}" type="datetimeFigureOut">
               <a:rPr lang="en-US" dirty="0"/>
               <a:pPr/>
-              <a:t>12/19/2020</a:t>
+              <a:t>12/20/2020</a:t>
             </a:fld>
             <a:endParaRPr lang="en-US" dirty="0"/>
           </a:p>
@@ -1618,7 +1619,7 @@
           <a:p>
             <a:fld id="{87DE6118-2437-4B30-8E3C-4D2BE6020583}" type="datetimeFigureOut">
               <a:rPr lang="en-US" dirty="0"/>
-              <a:t>12/19/2020</a:t>
+              <a:t>12/20/2020</a:t>
             </a:fld>
             <a:endParaRPr lang="en-US" dirty="0"/>
           </a:p>
@@ -2090,7 +2091,7 @@
           <a:p>
             <a:fld id="{87DE6118-2437-4B30-8E3C-4D2BE6020583}" type="datetimeFigureOut">
               <a:rPr lang="en-US" dirty="0"/>
-              <a:t>12/19/2020</a:t>
+              <a:t>12/20/2020</a:t>
             </a:fld>
             <a:endParaRPr lang="en-US" dirty="0"/>
           </a:p>
@@ -2203,7 +2204,7 @@
           <a:p>
             <a:fld id="{87DE6118-2437-4B30-8E3C-4D2BE6020583}" type="datetimeFigureOut">
               <a:rPr lang="en-US" dirty="0"/>
-              <a:t>12/19/2020</a:t>
+              <a:t>12/20/2020</a:t>
             </a:fld>
             <a:endParaRPr lang="en-US" dirty="0"/>
           </a:p>
@@ -2293,7 +2294,7 @@
           <a:p>
             <a:fld id="{87DE6118-2437-4B30-8E3C-4D2BE6020583}" type="datetimeFigureOut">
               <a:rPr lang="en-US" dirty="0"/>
-              <a:t>12/19/2020</a:t>
+              <a:t>12/20/2020</a:t>
             </a:fld>
             <a:endParaRPr lang="en-US" dirty="0"/>
           </a:p>
@@ -2635,7 +2636,7 @@
             <a:fld id="{87DE6118-2437-4B30-8E3C-4D2BE6020583}" type="datetimeFigureOut">
               <a:rPr lang="en-US" dirty="0"/>
               <a:pPr/>
-              <a:t>12/19/2020</a:t>
+              <a:t>12/20/2020</a:t>
             </a:fld>
             <a:endParaRPr lang="en-US" dirty="0"/>
           </a:p>
@@ -3020,7 +3021,7 @@
             <a:fld id="{87DE6118-2437-4B30-8E3C-4D2BE6020583}" type="datetimeFigureOut">
               <a:rPr lang="en-US" dirty="0"/>
               <a:pPr/>
-              <a:t>12/19/2020</a:t>
+              <a:t>12/20/2020</a:t>
             </a:fld>
             <a:endParaRPr lang="en-US" dirty="0"/>
           </a:p>
@@ -3295,7 +3296,7 @@
             <a:fld id="{87DE6118-2437-4B30-8E3C-4D2BE6020583}" type="datetimeFigureOut">
               <a:rPr lang="en-US" dirty="0"/>
               <a:pPr/>
-              <a:t>12/19/2020</a:t>
+              <a:t>12/20/2020</a:t>
             </a:fld>
             <a:endParaRPr lang="en-US" dirty="0"/>
           </a:p>
@@ -3963,7 +3964,7 @@
           <a:p>
             <a:r>
               <a:rPr lang="en-US" dirty="0"/>
-              <a:t>I was the Data Conversion Lead for a company that provides a suite of cloud-based applications</a:t>
+              <a:t>I led the Data Conversion team for a company that provides a suite of cloud-based applications</a:t>
             </a:r>
           </a:p>
           <a:p>
@@ -3987,7 +3988,7 @@
           <a:p>
             <a:r>
               <a:rPr lang="en-US" dirty="0"/>
-              <a:t>Successfully completing data conversion is essential to our customer migrating to our system</a:t>
+              <a:t>Successfully completing data conversion is essential to the customer migrating to our system</a:t>
             </a:r>
           </a:p>
           <a:p>
@@ -4039,7 +4040,7 @@
           <p:cNvPr id="2" name="Title 1">
             <a:extLst>
               <a:ext uri="{FF2B5EF4-FFF2-40B4-BE49-F238E27FC236}">
-                <a16:creationId xmlns:a16="http://schemas.microsoft.com/office/drawing/2014/main" id="{D454AB3A-5761-49EA-B5D2-61D7C2C7DBAE}"/>
+                <a16:creationId xmlns:a16="http://schemas.microsoft.com/office/drawing/2014/main" id="{88BF2CFE-B7A5-4B90-8805-48A6807D403D}"/>
               </a:ext>
             </a:extLst>
           </p:cNvPr>
@@ -4057,7 +4058,7 @@
           <a:p>
             <a:r>
               <a:rPr lang="en-US" dirty="0"/>
-              <a:t>Initial Requirements</a:t>
+              <a:t>SSIS and/or PowerShell?</a:t>
             </a:r>
           </a:p>
         </p:txBody>
@@ -4067,7 +4068,7 @@
           <p:cNvPr id="3" name="Content Placeholder 2">
             <a:extLst>
               <a:ext uri="{FF2B5EF4-FFF2-40B4-BE49-F238E27FC236}">
-                <a16:creationId xmlns:a16="http://schemas.microsoft.com/office/drawing/2014/main" id="{6D42DB15-4449-4523-9ECB-EF15D392973B}"/>
+                <a16:creationId xmlns:a16="http://schemas.microsoft.com/office/drawing/2014/main" id="{040DE5AB-22CA-4272-B769-48C5FC18B499}"/>
               </a:ext>
             </a:extLst>
           </p:cNvPr>
@@ -4085,54 +4086,45 @@
           <a:p>
             <a:r>
               <a:rPr lang="en-US" dirty="0"/>
-              <a:t>Customer uploads their CSV files to a designated folder</a:t>
-            </a:r>
-          </a:p>
-          <a:p>
-            <a:r>
-              <a:rPr lang="en-US" dirty="0"/>
-              <a:t>Map CSV file name to a staging table name</a:t>
-            </a:r>
-          </a:p>
-          <a:p>
-            <a:r>
-              <a:rPr lang="en-US" dirty="0"/>
-              <a:t>Create database, schema and table on the fly; optimize later</a:t>
-            </a:r>
-          </a:p>
-          <a:p>
-            <a:r>
-              <a:rPr lang="en-US" dirty="0"/>
-              <a:t>Import each CSV file into a SQL Server staging table</a:t>
-            </a:r>
-          </a:p>
-          <a:p>
-            <a:r>
-              <a:rPr lang="en-US" dirty="0"/>
-              <a:t>Implement simple business rules to import 1 to N CSV files from a folder</a:t>
-            </a:r>
-          </a:p>
-          <a:p>
-            <a:endParaRPr lang="en-US" dirty="0"/>
-          </a:p>
-          <a:p>
-            <a:endParaRPr lang="en-US" dirty="0"/>
-          </a:p>
-          <a:p>
-            <a:endParaRPr lang="en-US" dirty="0"/>
-          </a:p>
-          <a:p>
-            <a:endParaRPr lang="en-US" dirty="0"/>
-          </a:p>
-          <a:p>
-            <a:endParaRPr lang="en-US" dirty="0"/>
+              <a:t>My initial Data Conversion implementation used SSIS, BIML and BCP</a:t>
+            </a:r>
+          </a:p>
+          <a:p>
+            <a:r>
+              <a:rPr lang="en-US" dirty="0"/>
+              <a:t>SSIS is very good at Extracting, Transforming and Loading data</a:t>
+            </a:r>
+          </a:p>
+          <a:p>
+            <a:r>
+              <a:rPr lang="en-US" dirty="0"/>
+              <a:t>SSIS does an okay job of working with files and folders</a:t>
+            </a:r>
+          </a:p>
+          <a:p>
+            <a:r>
+              <a:rPr lang="en-US" dirty="0"/>
+              <a:t>PowerShell works with files and folders much better than SSIS</a:t>
+            </a:r>
+          </a:p>
+          <a:p>
+            <a:r>
+              <a:rPr lang="en-US" dirty="0"/>
+              <a:t>Now I use PowerShell for creating folders, importing CSV files, etc.</a:t>
+            </a:r>
+          </a:p>
+          <a:p>
+            <a:r>
+              <a:rPr lang="en-US" dirty="0"/>
+              <a:t>I still use SSIS to handle the ETL process after getting the CSV files into staging tables</a:t>
+            </a:r>
           </a:p>
         </p:txBody>
       </p:sp>
     </p:spTree>
     <p:extLst>
       <p:ext uri="{BB962C8B-B14F-4D97-AF65-F5344CB8AC3E}">
-        <p14:creationId xmlns:p14="http://schemas.microsoft.com/office/powerpoint/2010/main" val="3798757084"/>
+        <p14:creationId xmlns:p14="http://schemas.microsoft.com/office/powerpoint/2010/main" val="4227695844"/>
       </p:ext>
     </p:extLst>
   </p:cSld>
@@ -4164,7 +4156,7 @@
           <p:cNvPr id="2" name="Title 1">
             <a:extLst>
               <a:ext uri="{FF2B5EF4-FFF2-40B4-BE49-F238E27FC236}">
-                <a16:creationId xmlns:a16="http://schemas.microsoft.com/office/drawing/2014/main" id="{BDF36643-D305-4E75-A3ED-7893F961A771}"/>
+                <a16:creationId xmlns:a16="http://schemas.microsoft.com/office/drawing/2014/main" id="{D454AB3A-5761-49EA-B5D2-61D7C2C7DBAE}"/>
               </a:ext>
             </a:extLst>
           </p:cNvPr>
@@ -4182,7 +4174,7 @@
           <a:p>
             <a:r>
               <a:rPr lang="en-US" dirty="0"/>
-              <a:t>PowerShell Implementation</a:t>
+              <a:t>Initial Requirements</a:t>
             </a:r>
           </a:p>
         </p:txBody>
@@ -4192,7 +4184,7 @@
           <p:cNvPr id="3" name="Content Placeholder 2">
             <a:extLst>
               <a:ext uri="{FF2B5EF4-FFF2-40B4-BE49-F238E27FC236}">
-                <a16:creationId xmlns:a16="http://schemas.microsoft.com/office/drawing/2014/main" id="{5B2542B3-CE51-4D2D-A8DE-D61686D3A29F}"/>
+                <a16:creationId xmlns:a16="http://schemas.microsoft.com/office/drawing/2014/main" id="{6D42DB15-4449-4523-9ECB-EF15D392973B}"/>
               </a:ext>
             </a:extLst>
           </p:cNvPr>
@@ -4210,37 +4202,50 @@
           <a:p>
             <a:r>
               <a:rPr lang="en-US" dirty="0"/>
-              <a:t>Implement PowerShell code in a module called </a:t>
-            </a:r>
-            <a:r>
-              <a:rPr lang="en-US" dirty="0" err="1"/>
-              <a:t>ImportFramework</a:t>
-            </a:r>
-            <a:endParaRPr lang="en-US" dirty="0"/>
-          </a:p>
-          <a:p>
-            <a:r>
-              <a:rPr lang="en-US" dirty="0"/>
-              <a:t>Provide 1 Cmdlet to initialize the top-level folder structure for importing CSV files</a:t>
-            </a:r>
-          </a:p>
-          <a:p>
-            <a:r>
-              <a:rPr lang="en-US" dirty="0"/>
-              <a:t>Provide 1 Cmdlet to initialize the underlying folder structure for a Customer</a:t>
-            </a:r>
-          </a:p>
-          <a:p>
-            <a:r>
-              <a:rPr lang="en-US" dirty="0"/>
-              <a:t>Provide 1 Cmdlet to import 1 – N CSV files and load to SQL Server tables</a:t>
-            </a:r>
-          </a:p>
-          <a:p>
-            <a:r>
-              <a:rPr lang="en-US" dirty="0"/>
-              <a:t>Execute PowerShell Cmdlets from SQL Agent Job steps</a:t>
-            </a:r>
+              <a:t>Upload CSV files to a designated folder</a:t>
+            </a:r>
+          </a:p>
+          <a:p>
+            <a:r>
+              <a:rPr lang="en-US" dirty="0"/>
+              <a:t>Automatically map CSV file name to a staging table name</a:t>
+            </a:r>
+          </a:p>
+          <a:p>
+            <a:r>
+              <a:rPr lang="en-US" dirty="0"/>
+              <a:t>Create SQL Server database, schema and table on the; optimize later</a:t>
+            </a:r>
+          </a:p>
+          <a:p>
+            <a:r>
+              <a:rPr lang="en-US" dirty="0"/>
+              <a:t>Import each CSV file into a SQL Server staging table</a:t>
+            </a:r>
+          </a:p>
+          <a:p>
+            <a:r>
+              <a:rPr lang="en-US" dirty="0"/>
+              <a:t>Implement a simple process to import 1 to N CSV files from a folder</a:t>
+            </a:r>
+          </a:p>
+          <a:p>
+            <a:r>
+              <a:rPr lang="en-US" dirty="0"/>
+              <a:t>The rest of the ETL process uses SSIS (not covered here)</a:t>
+            </a:r>
+          </a:p>
+          <a:p>
+            <a:endParaRPr lang="en-US" dirty="0"/>
+          </a:p>
+          <a:p>
+            <a:endParaRPr lang="en-US" dirty="0"/>
+          </a:p>
+          <a:p>
+            <a:endParaRPr lang="en-US" dirty="0"/>
+          </a:p>
+          <a:p>
+            <a:endParaRPr lang="en-US" dirty="0"/>
           </a:p>
           <a:p>
             <a:endParaRPr lang="en-US" dirty="0"/>
@@ -4253,7 +4258,7 @@
     </p:spTree>
     <p:extLst>
       <p:ext uri="{BB962C8B-B14F-4D97-AF65-F5344CB8AC3E}">
-        <p14:creationId xmlns:p14="http://schemas.microsoft.com/office/powerpoint/2010/main" val="341326240"/>
+        <p14:creationId xmlns:p14="http://schemas.microsoft.com/office/powerpoint/2010/main" val="3798757084"/>
       </p:ext>
     </p:extLst>
   </p:cSld>
@@ -4285,7 +4290,7 @@
           <p:cNvPr id="2" name="Title 1">
             <a:extLst>
               <a:ext uri="{FF2B5EF4-FFF2-40B4-BE49-F238E27FC236}">
-                <a16:creationId xmlns:a16="http://schemas.microsoft.com/office/drawing/2014/main" id="{8727F368-48D4-4887-9ED3-259543C185F5}"/>
+                <a16:creationId xmlns:a16="http://schemas.microsoft.com/office/drawing/2014/main" id="{BDF36643-D305-4E75-A3ED-7893F961A771}"/>
               </a:ext>
             </a:extLst>
           </p:cNvPr>
@@ -4303,7 +4308,7 @@
           <a:p>
             <a:r>
               <a:rPr lang="en-US" dirty="0"/>
-              <a:t>Version 1 Implementation Conventions</a:t>
+              <a:t>PowerShell Implementation</a:t>
             </a:r>
           </a:p>
         </p:txBody>
@@ -4313,7 +4318,7 @@
           <p:cNvPr id="3" name="Content Placeholder 2">
             <a:extLst>
               <a:ext uri="{FF2B5EF4-FFF2-40B4-BE49-F238E27FC236}">
-                <a16:creationId xmlns:a16="http://schemas.microsoft.com/office/drawing/2014/main" id="{AE457F89-343C-48E7-9B47-BEAAEC91B52E}"/>
+                <a16:creationId xmlns:a16="http://schemas.microsoft.com/office/drawing/2014/main" id="{5B2542B3-CE51-4D2D-A8DE-D61686D3A29F}"/>
               </a:ext>
             </a:extLst>
           </p:cNvPr>
@@ -4331,49 +4336,50 @@
           <a:p>
             <a:r>
               <a:rPr lang="en-US" dirty="0"/>
-              <a:t>Import .CSV files only</a:t>
-            </a:r>
-          </a:p>
-          <a:p>
-            <a:r>
-              <a:rPr lang="en-US" dirty="0"/>
-              <a:t>Staging table name is CSV file name without extension</a:t>
-            </a:r>
-          </a:p>
-          <a:p>
-            <a:r>
-              <a:rPr lang="en-US" dirty="0"/>
-              <a:t>Import Folder Structure</a:t>
-            </a:r>
-          </a:p>
-          <a:p>
-            <a:pPr lvl="1"/>
-            <a:r>
-              <a:rPr lang="en-US" dirty="0"/>
-              <a:t>Top-Level Folder: C:\EXTERNAL-FILES</a:t>
-            </a:r>
-          </a:p>
-          <a:p>
-            <a:pPr lvl="1"/>
-            <a:r>
-              <a:rPr lang="en-US" dirty="0"/>
-              <a:t>Level-1 Folders: </a:t>
-            </a:r>
-            <a:r>
-              <a:rPr lang="en-US"/>
-              <a:t>Customer abbreviation</a:t>
-            </a:r>
-            <a:endParaRPr lang="en-US" dirty="0"/>
-          </a:p>
-          <a:p>
-            <a:pPr lvl="1"/>
-            <a:r>
-              <a:rPr lang="en-US" dirty="0"/>
-              <a:t>Level-2 Folders: IMPORT, ARCHIVE, and LOG</a:t>
-            </a:r>
-          </a:p>
-          <a:p>
-            <a:pPr lvl="1"/>
+              <a:t>Implement PowerShell code in a module called </a:t>
+            </a:r>
+            <a:r>
+              <a:rPr lang="en-US" dirty="0" err="1"/>
+              <a:t>ImportFramework</a:t>
+            </a:r>
+            <a:endParaRPr lang="en-US" dirty="0"/>
+          </a:p>
+          <a:p>
+            <a:r>
+              <a:rPr lang="en-US" dirty="0"/>
+              <a:t>Provide 1 Cmdlet to initialize the folder structure to import CSV files for an entity; e.g. customer, application, etc.</a:t>
+            </a:r>
+          </a:p>
+          <a:p>
+            <a:r>
+              <a:rPr lang="en-US" dirty="0"/>
+              <a:t>Provide 1 Cmdlet to import 1 – N CSV files and load to SQL Server staging tables</a:t>
+            </a:r>
+          </a:p>
+          <a:p>
+            <a:r>
+              <a:rPr lang="en-US" dirty="0"/>
+              <a:t>Other supporting Cmdlets as necessary</a:t>
+            </a:r>
+          </a:p>
+          <a:p>
+            <a:r>
+              <a:rPr lang="en-US" dirty="0"/>
+              <a:t>Execute </a:t>
+            </a:r>
+            <a:r>
+              <a:rPr lang="en-US" dirty="0" err="1"/>
+              <a:t>ImportFramework</a:t>
+            </a:r>
+            <a:r>
+              <a:rPr lang="en-US" dirty="0"/>
+              <a:t> Cmdlets from SQL Agent Job steps</a:t>
+            </a:r>
+          </a:p>
+          <a:p>
+            <a:endParaRPr lang="en-US" dirty="0"/>
+          </a:p>
+          <a:p>
             <a:endParaRPr lang="en-US" dirty="0"/>
           </a:p>
         </p:txBody>
@@ -4381,7 +4387,7 @@
     </p:spTree>
     <p:extLst>
       <p:ext uri="{BB962C8B-B14F-4D97-AF65-F5344CB8AC3E}">
-        <p14:creationId xmlns:p14="http://schemas.microsoft.com/office/powerpoint/2010/main" val="1553196772"/>
+        <p14:creationId xmlns:p14="http://schemas.microsoft.com/office/powerpoint/2010/main" val="341326240"/>
       </p:ext>
     </p:extLst>
   </p:cSld>
@@ -4413,7 +4419,7 @@
           <p:cNvPr id="2" name="Title 1">
             <a:extLst>
               <a:ext uri="{FF2B5EF4-FFF2-40B4-BE49-F238E27FC236}">
-                <a16:creationId xmlns:a16="http://schemas.microsoft.com/office/drawing/2014/main" id="{C12B4369-4798-4076-B256-7314E3FE2E1E}"/>
+                <a16:creationId xmlns:a16="http://schemas.microsoft.com/office/drawing/2014/main" id="{8727F368-48D4-4887-9ED3-259543C185F5}"/>
               </a:ext>
             </a:extLst>
           </p:cNvPr>
@@ -4431,15 +4437,7 @@
           <a:p>
             <a:r>
               <a:rPr lang="en-US" dirty="0"/>
-              <a:t>Review Cmdlets in </a:t>
-            </a:r>
-            <a:r>
-              <a:rPr lang="en-US" dirty="0" err="1"/>
-              <a:t>ImportFramework</a:t>
-            </a:r>
-            <a:r>
-              <a:rPr lang="en-US" dirty="0"/>
-              <a:t> Module</a:t>
+              <a:t>Version 1 Implementation Conventions</a:t>
             </a:r>
           </a:p>
         </p:txBody>
@@ -4449,7 +4447,7 @@
           <p:cNvPr id="3" name="Content Placeholder 2">
             <a:extLst>
               <a:ext uri="{FF2B5EF4-FFF2-40B4-BE49-F238E27FC236}">
-                <a16:creationId xmlns:a16="http://schemas.microsoft.com/office/drawing/2014/main" id="{89FBB29B-D904-47AC-BBFA-09E2BADE5862}"/>
+                <a16:creationId xmlns:a16="http://schemas.microsoft.com/office/drawing/2014/main" id="{AE457F89-343C-48E7-9B47-BEAAEC91B52E}"/>
               </a:ext>
             </a:extLst>
           </p:cNvPr>
@@ -4466,145 +4464,45 @@
           <a:lstStyle/>
           <a:p>
             <a:r>
-              <a:rPr lang="en-US" sz="1800" dirty="0">
-                <a:solidFill>
-                  <a:srgbClr val="0000FF"/>
-                </a:solidFill>
-                <a:latin typeface="Lucida Console" panose="020B0609040504020204" pitchFamily="49" charset="0"/>
-              </a:rPr>
-              <a:t>Get-</a:t>
-            </a:r>
-            <a:r>
-              <a:rPr lang="en-US" sz="1800" dirty="0" err="1">
-                <a:solidFill>
-                  <a:srgbClr val="0000FF"/>
-                </a:solidFill>
-                <a:latin typeface="Lucida Console" panose="020B0609040504020204" pitchFamily="49" charset="0"/>
-              </a:rPr>
-              <a:t>ImportFrameworkConfiguration</a:t>
-            </a:r>
-            <a:r>
-              <a:rPr lang="en-US" sz="1800" dirty="0">
-                <a:solidFill>
-                  <a:srgbClr val="0000FF"/>
-                </a:solidFill>
-                <a:latin typeface="Lucida Console" panose="020B0609040504020204" pitchFamily="49" charset="0"/>
-              </a:rPr>
-              <a:t>: get configuration data in module </a:t>
-            </a:r>
-          </a:p>
-          <a:p>
-            <a:r>
-              <a:rPr lang="en-US" sz="1800" dirty="0">
-                <a:solidFill>
-                  <a:srgbClr val="0000FF"/>
-                </a:solidFill>
-                <a:latin typeface="Lucida Console" panose="020B0609040504020204" pitchFamily="49" charset="0"/>
-              </a:rPr>
-              <a:t>Get-</a:t>
-            </a:r>
-            <a:r>
-              <a:rPr lang="en-US" sz="1800" dirty="0" err="1">
-                <a:solidFill>
-                  <a:srgbClr val="0000FF"/>
-                </a:solidFill>
-                <a:latin typeface="Lucida Console" panose="020B0609040504020204" pitchFamily="49" charset="0"/>
-              </a:rPr>
-              <a:t>CsvCustomerPath</a:t>
-            </a:r>
-            <a:r>
-              <a:rPr lang="en-US" sz="1800" dirty="0">
-                <a:solidFill>
-                  <a:srgbClr val="0000FF"/>
-                </a:solidFill>
-                <a:latin typeface="Lucida Console" panose="020B0609040504020204" pitchFamily="49" charset="0"/>
-              </a:rPr>
-              <a:t>: get full path to the customer import folder; CSV files get dropped here  </a:t>
-            </a:r>
-          </a:p>
-          <a:p>
-            <a:r>
-              <a:rPr lang="en-US" sz="1800" dirty="0">
-                <a:solidFill>
-                  <a:srgbClr val="0000FF"/>
-                </a:solidFill>
-                <a:latin typeface="Lucida Console" panose="020B0609040504020204" pitchFamily="49" charset="0"/>
-              </a:rPr>
-              <a:t>Get-</a:t>
-            </a:r>
-            <a:r>
-              <a:rPr lang="en-US" sz="1800" dirty="0" err="1">
-                <a:solidFill>
-                  <a:srgbClr val="0000FF"/>
-                </a:solidFill>
-                <a:latin typeface="Lucida Console" panose="020B0609040504020204" pitchFamily="49" charset="0"/>
-              </a:rPr>
-              <a:t>AvailableCsvCustomerFile</a:t>
-            </a:r>
-            <a:r>
-              <a:rPr lang="en-US" sz="1800" dirty="0">
-                <a:solidFill>
-                  <a:srgbClr val="0000FF"/>
-                </a:solidFill>
-                <a:latin typeface="Lucida Console" panose="020B0609040504020204" pitchFamily="49" charset="0"/>
-              </a:rPr>
-              <a:t>: get the list of CSV files in the customer import folder </a:t>
-            </a:r>
-          </a:p>
-          <a:p>
-            <a:r>
-              <a:rPr lang="en-US" sz="1800" dirty="0">
-                <a:solidFill>
-                  <a:srgbClr val="0000FF"/>
-                </a:solidFill>
-                <a:latin typeface="Lucida Console" panose="020B0609040504020204" pitchFamily="49" charset="0"/>
-              </a:rPr>
-              <a:t>Import-</a:t>
-            </a:r>
-            <a:r>
-              <a:rPr lang="en-US" sz="1800" dirty="0" err="1">
-                <a:solidFill>
-                  <a:srgbClr val="0000FF"/>
-                </a:solidFill>
-                <a:latin typeface="Lucida Console" panose="020B0609040504020204" pitchFamily="49" charset="0"/>
-              </a:rPr>
-              <a:t>CsvCustomerFile</a:t>
-            </a:r>
-            <a:r>
-              <a:rPr lang="en-US" sz="1800" dirty="0">
-                <a:solidFill>
-                  <a:srgbClr val="0000FF"/>
-                </a:solidFill>
-                <a:latin typeface="Lucida Console" panose="020B0609040504020204" pitchFamily="49" charset="0"/>
-              </a:rPr>
-              <a:t>: import the available CSV files into their respective staging tables; move import files to archive folder  </a:t>
-            </a:r>
-          </a:p>
-          <a:p>
-            <a:endParaRPr lang="en-US" sz="1800" dirty="0">
-              <a:solidFill>
-                <a:srgbClr val="0000FF"/>
-              </a:solidFill>
-              <a:latin typeface="Lucida Console" panose="020B0609040504020204" pitchFamily="49" charset="0"/>
-            </a:endParaRPr>
-          </a:p>
-          <a:p>
-            <a:endParaRPr lang="en-US" sz="1800" dirty="0">
-              <a:solidFill>
-                <a:srgbClr val="0000FF"/>
-              </a:solidFill>
-              <a:latin typeface="Lucida Console" panose="020B0609040504020204" pitchFamily="49" charset="0"/>
-            </a:endParaRPr>
-          </a:p>
-          <a:p>
-            <a:endParaRPr lang="en-US" sz="1800" dirty="0">
-              <a:solidFill>
-                <a:srgbClr val="0000FF"/>
-              </a:solidFill>
-              <a:latin typeface="Lucida Console" panose="020B0609040504020204" pitchFamily="49" charset="0"/>
-            </a:endParaRPr>
-          </a:p>
-          <a:p>
+              <a:rPr lang="en-US" dirty="0"/>
+              <a:t>Import .CSV files only (for now)</a:t>
+            </a:r>
+          </a:p>
+          <a:p>
+            <a:r>
+              <a:rPr lang="en-US" dirty="0"/>
+              <a:t>Staging table name is CSV file name without extension</a:t>
+            </a:r>
+          </a:p>
+          <a:p>
+            <a:r>
+              <a:rPr lang="en-US" dirty="0"/>
+              <a:t>Import Folder Structure</a:t>
+            </a:r>
+          </a:p>
+          <a:p>
+            <a:pPr lvl="1"/>
+            <a:r>
+              <a:rPr lang="en-US" dirty="0"/>
+              <a:t>Top-Level Folder: C:\EXTERNAL-FILES</a:t>
+            </a:r>
+          </a:p>
+          <a:p>
+            <a:pPr lvl="1"/>
+            <a:r>
+              <a:rPr lang="en-US" dirty="0"/>
+              <a:t>Level-1 Folders: Customer abbreviation</a:t>
+            </a:r>
+          </a:p>
+          <a:p>
+            <a:pPr lvl="1"/>
+            <a:r>
+              <a:rPr lang="en-US" dirty="0"/>
+              <a:t>Level-2 Folders: IMPORT, ARCHIVE, and LOG</a:t>
+            </a:r>
+          </a:p>
+          <a:p>
+            <a:pPr lvl="1"/>
             <a:endParaRPr lang="en-US" dirty="0"/>
           </a:p>
         </p:txBody>
@@ -4612,7 +4510,7 @@
     </p:spTree>
     <p:extLst>
       <p:ext uri="{BB962C8B-B14F-4D97-AF65-F5344CB8AC3E}">
-        <p14:creationId xmlns:p14="http://schemas.microsoft.com/office/powerpoint/2010/main" val="1505845201"/>
+        <p14:creationId xmlns:p14="http://schemas.microsoft.com/office/powerpoint/2010/main" val="1553196772"/>
       </p:ext>
     </p:extLst>
   </p:cSld>
@@ -4644,6 +4542,237 @@
           <p:cNvPr id="2" name="Title 1">
             <a:extLst>
               <a:ext uri="{FF2B5EF4-FFF2-40B4-BE49-F238E27FC236}">
+                <a16:creationId xmlns:a16="http://schemas.microsoft.com/office/drawing/2014/main" id="{C12B4369-4798-4076-B256-7314E3FE2E1E}"/>
+              </a:ext>
+            </a:extLst>
+          </p:cNvPr>
+          <p:cNvSpPr>
+            <a:spLocks noGrp="1"/>
+          </p:cNvSpPr>
+          <p:nvPr>
+            <p:ph type="title"/>
+          </p:nvPr>
+        </p:nvSpPr>
+        <p:spPr/>
+        <p:txBody>
+          <a:bodyPr/>
+          <a:lstStyle/>
+          <a:p>
+            <a:r>
+              <a:rPr lang="en-US" dirty="0"/>
+              <a:t>Review Cmdlets in </a:t>
+            </a:r>
+            <a:r>
+              <a:rPr lang="en-US" dirty="0" err="1"/>
+              <a:t>ImportFramework</a:t>
+            </a:r>
+            <a:r>
+              <a:rPr lang="en-US" dirty="0"/>
+              <a:t> Module</a:t>
+            </a:r>
+          </a:p>
+        </p:txBody>
+      </p:sp>
+      <p:sp>
+        <p:nvSpPr>
+          <p:cNvPr id="3" name="Content Placeholder 2">
+            <a:extLst>
+              <a:ext uri="{FF2B5EF4-FFF2-40B4-BE49-F238E27FC236}">
+                <a16:creationId xmlns:a16="http://schemas.microsoft.com/office/drawing/2014/main" id="{89FBB29B-D904-47AC-BBFA-09E2BADE5862}"/>
+              </a:ext>
+            </a:extLst>
+          </p:cNvPr>
+          <p:cNvSpPr>
+            <a:spLocks noGrp="1"/>
+          </p:cNvSpPr>
+          <p:nvPr>
+            <p:ph idx="1"/>
+          </p:nvPr>
+        </p:nvSpPr>
+        <p:spPr/>
+        <p:txBody>
+          <a:bodyPr/>
+          <a:lstStyle/>
+          <a:p>
+            <a:r>
+              <a:rPr lang="en-US" sz="1800" dirty="0">
+                <a:solidFill>
+                  <a:srgbClr val="0000FF"/>
+                </a:solidFill>
+                <a:latin typeface="Lucida Console" panose="020B0609040504020204" pitchFamily="49" charset="0"/>
+              </a:rPr>
+              <a:t>Get-</a:t>
+            </a:r>
+            <a:r>
+              <a:rPr lang="en-US" sz="1800" dirty="0" err="1">
+                <a:solidFill>
+                  <a:srgbClr val="0000FF"/>
+                </a:solidFill>
+                <a:latin typeface="Lucida Console" panose="020B0609040504020204" pitchFamily="49" charset="0"/>
+              </a:rPr>
+              <a:t>ImportFrameworkConfiguration</a:t>
+            </a:r>
+            <a:r>
+              <a:rPr lang="en-US" sz="1800" dirty="0">
+                <a:solidFill>
+                  <a:srgbClr val="0000FF"/>
+                </a:solidFill>
+                <a:latin typeface="Lucida Console" panose="020B0609040504020204" pitchFamily="49" charset="0"/>
+              </a:rPr>
+              <a:t>: get configuration data in module </a:t>
+            </a:r>
+          </a:p>
+          <a:p>
+            <a:r>
+              <a:rPr lang="en-US" sz="1800" dirty="0">
+                <a:solidFill>
+                  <a:srgbClr val="0000FF"/>
+                </a:solidFill>
+                <a:latin typeface="Lucida Console" panose="020B0609040504020204" pitchFamily="49" charset="0"/>
+              </a:rPr>
+              <a:t>Get-</a:t>
+            </a:r>
+            <a:r>
+              <a:rPr lang="en-US" sz="1800" dirty="0" err="1">
+                <a:solidFill>
+                  <a:srgbClr val="0000FF"/>
+                </a:solidFill>
+                <a:latin typeface="Lucida Console" panose="020B0609040504020204" pitchFamily="49" charset="0"/>
+              </a:rPr>
+              <a:t>CsvCustomerPath</a:t>
+            </a:r>
+            <a:r>
+              <a:rPr lang="en-US" sz="1800" dirty="0">
+                <a:solidFill>
+                  <a:srgbClr val="0000FF"/>
+                </a:solidFill>
+                <a:latin typeface="Lucida Console" panose="020B0609040504020204" pitchFamily="49" charset="0"/>
+              </a:rPr>
+              <a:t>: get full path to the customer import folder; CSV files get dropped here  </a:t>
+            </a:r>
+          </a:p>
+          <a:p>
+            <a:r>
+              <a:rPr lang="en-US" sz="1800" dirty="0">
+                <a:solidFill>
+                  <a:srgbClr val="0000FF"/>
+                </a:solidFill>
+                <a:latin typeface="Lucida Console" panose="020B0609040504020204" pitchFamily="49" charset="0"/>
+              </a:rPr>
+              <a:t>Get-</a:t>
+            </a:r>
+            <a:r>
+              <a:rPr lang="en-US" sz="1800" dirty="0" err="1">
+                <a:solidFill>
+                  <a:srgbClr val="0000FF"/>
+                </a:solidFill>
+                <a:latin typeface="Lucida Console" panose="020B0609040504020204" pitchFamily="49" charset="0"/>
+              </a:rPr>
+              <a:t>AvailableCsvCustomerFile</a:t>
+            </a:r>
+            <a:r>
+              <a:rPr lang="en-US" sz="1800" dirty="0">
+                <a:solidFill>
+                  <a:srgbClr val="0000FF"/>
+                </a:solidFill>
+                <a:latin typeface="Lucida Console" panose="020B0609040504020204" pitchFamily="49" charset="0"/>
+              </a:rPr>
+              <a:t>: get the list of CSV files in the customer import folder </a:t>
+            </a:r>
+          </a:p>
+          <a:p>
+            <a:r>
+              <a:rPr lang="en-US" sz="1800" dirty="0">
+                <a:solidFill>
+                  <a:srgbClr val="0000FF"/>
+                </a:solidFill>
+                <a:latin typeface="Lucida Console" panose="020B0609040504020204" pitchFamily="49" charset="0"/>
+              </a:rPr>
+              <a:t>Import-</a:t>
+            </a:r>
+            <a:r>
+              <a:rPr lang="en-US" sz="1800" dirty="0" err="1">
+                <a:solidFill>
+                  <a:srgbClr val="0000FF"/>
+                </a:solidFill>
+                <a:latin typeface="Lucida Console" panose="020B0609040504020204" pitchFamily="49" charset="0"/>
+              </a:rPr>
+              <a:t>CsvCustomerFile</a:t>
+            </a:r>
+            <a:r>
+              <a:rPr lang="en-US" sz="1800" dirty="0">
+                <a:solidFill>
+                  <a:srgbClr val="0000FF"/>
+                </a:solidFill>
+                <a:latin typeface="Lucida Console" panose="020B0609040504020204" pitchFamily="49" charset="0"/>
+              </a:rPr>
+              <a:t>: import the available CSV files into their respective staging tables; move import files to archive folder  </a:t>
+            </a:r>
+          </a:p>
+          <a:p>
+            <a:endParaRPr lang="en-US" sz="1800" dirty="0">
+              <a:solidFill>
+                <a:srgbClr val="0000FF"/>
+              </a:solidFill>
+              <a:latin typeface="Lucida Console" panose="020B0609040504020204" pitchFamily="49" charset="0"/>
+            </a:endParaRPr>
+          </a:p>
+          <a:p>
+            <a:endParaRPr lang="en-US" sz="1800" dirty="0">
+              <a:solidFill>
+                <a:srgbClr val="0000FF"/>
+              </a:solidFill>
+              <a:latin typeface="Lucida Console" panose="020B0609040504020204" pitchFamily="49" charset="0"/>
+            </a:endParaRPr>
+          </a:p>
+          <a:p>
+            <a:endParaRPr lang="en-US" sz="1800" dirty="0">
+              <a:solidFill>
+                <a:srgbClr val="0000FF"/>
+              </a:solidFill>
+              <a:latin typeface="Lucida Console" panose="020B0609040504020204" pitchFamily="49" charset="0"/>
+            </a:endParaRPr>
+          </a:p>
+          <a:p>
+            <a:endParaRPr lang="en-US" dirty="0"/>
+          </a:p>
+        </p:txBody>
+      </p:sp>
+    </p:spTree>
+    <p:extLst>
+      <p:ext uri="{BB962C8B-B14F-4D97-AF65-F5344CB8AC3E}">
+        <p14:creationId xmlns:p14="http://schemas.microsoft.com/office/powerpoint/2010/main" val="1505845201"/>
+      </p:ext>
+    </p:extLst>
+  </p:cSld>
+  <p:clrMapOvr>
+    <a:masterClrMapping/>
+  </p:clrMapOvr>
+</p:sld>
+</file>
+
+<file path=ppt/slides/slide8.xml><?xml version="1.0" encoding="utf-8"?>
+<p:sld xmlns:a="http://schemas.openxmlformats.org/drawingml/2006/main" xmlns:r="http://schemas.openxmlformats.org/officeDocument/2006/relationships" xmlns:p="http://schemas.openxmlformats.org/presentationml/2006/main">
+  <p:cSld>
+    <p:spTree>
+      <p:nvGrpSpPr>
+        <p:cNvPr id="1" name=""/>
+        <p:cNvGrpSpPr/>
+        <p:nvPr/>
+      </p:nvGrpSpPr>
+      <p:grpSpPr>
+        <a:xfrm>
+          <a:off x="0" y="0"/>
+          <a:ext cx="0" cy="0"/>
+          <a:chOff x="0" y="0"/>
+          <a:chExt cx="0" cy="0"/>
+        </a:xfrm>
+      </p:grpSpPr>
+      <p:sp>
+        <p:nvSpPr>
+          <p:cNvPr id="2" name="Title 1">
+            <a:extLst>
+              <a:ext uri="{FF2B5EF4-FFF2-40B4-BE49-F238E27FC236}">
                 <a16:creationId xmlns:a16="http://schemas.microsoft.com/office/drawing/2014/main" id="{3ACC5081-6657-4055-A7BA-43C0E043B1E8}"/>
               </a:ext>
             </a:extLst>
@@ -4688,7 +4817,43 @@
           <a:bodyPr/>
           <a:lstStyle/>
           <a:p>
-            <a:endParaRPr lang="en-US"/>
+            <a:r>
+              <a:rPr lang="en-US" dirty="0"/>
+              <a:t>SQLSERVER PowerShell Module created by Microsoft</a:t>
+            </a:r>
+          </a:p>
+          <a:p>
+            <a:r>
+              <a:rPr lang="en-US" dirty="0"/>
+              <a:t>Review Cmdlets in </a:t>
+            </a:r>
+            <a:r>
+              <a:rPr lang="en-US" dirty="0" err="1"/>
+              <a:t>ImportFramework</a:t>
+            </a:r>
+            <a:r>
+              <a:rPr lang="en-US" dirty="0"/>
+              <a:t> module</a:t>
+            </a:r>
+          </a:p>
+          <a:p>
+            <a:r>
+              <a:rPr lang="en-US" dirty="0"/>
+              <a:t>Run Cmdlets from PowerShell</a:t>
+            </a:r>
+          </a:p>
+          <a:p>
+            <a:r>
+              <a:rPr lang="en-US" dirty="0"/>
+              <a:t>Execute Cmdlet from SQL Agent PowerShell </a:t>
+            </a:r>
+            <a:r>
+              <a:rPr lang="en-US"/>
+              <a:t>job step</a:t>
+            </a:r>
+          </a:p>
+          <a:p>
+            <a:endParaRPr lang="en-US" dirty="0"/>
           </a:p>
         </p:txBody>
       </p:sp>
@@ -4705,7 +4870,7 @@
 </p:sld>
 </file>
 
-<file path=ppt/slides/slide8.xml><?xml version="1.0" encoding="utf-8"?>
+<file path=ppt/slides/slide9.xml><?xml version="1.0" encoding="utf-8"?>
 <p:sld xmlns:a="http://schemas.openxmlformats.org/drawingml/2006/main" xmlns:r="http://schemas.openxmlformats.org/officeDocument/2006/relationships" xmlns:p="http://schemas.openxmlformats.org/presentationml/2006/main">
   <p:cSld>
     <p:spTree>

--- a/Powershell ETL framework.pptx
+++ b/Powershell ETL framework.pptx
@@ -11,9 +11,10 @@
     <p:sldId id="257" r:id="rId5"/>
     <p:sldId id="258" r:id="rId6"/>
     <p:sldId id="260" r:id="rId7"/>
-    <p:sldId id="261" r:id="rId8"/>
-    <p:sldId id="262" r:id="rId9"/>
-    <p:sldId id="263" r:id="rId10"/>
+    <p:sldId id="265" r:id="rId8"/>
+    <p:sldId id="261" r:id="rId9"/>
+    <p:sldId id="262" r:id="rId10"/>
+    <p:sldId id="263" r:id="rId11"/>
   </p:sldIdLst>
   <p:sldSz cx="12192000" cy="6858000"/>
   <p:notesSz cx="6858000" cy="9144000"/>
@@ -290,7 +291,7 @@
             <a:fld id="{87DE6118-2437-4B30-8E3C-4D2BE6020583}" type="datetimeFigureOut">
               <a:rPr lang="en-US" dirty="0"/>
               <a:pPr/>
-              <a:t>12/20/2020</a:t>
+              <a:t>12/21/2020</a:t>
             </a:fld>
             <a:endParaRPr lang="en-US" dirty="0"/>
           </a:p>
@@ -616,7 +617,7 @@
           <a:p>
             <a:fld id="{87DE6118-2437-4B30-8E3C-4D2BE6020583}" type="datetimeFigureOut">
               <a:rPr lang="en-US" dirty="0"/>
-              <a:t>12/20/2020</a:t>
+              <a:t>12/21/2020</a:t>
             </a:fld>
             <a:endParaRPr lang="en-US" dirty="0"/>
           </a:p>
@@ -791,7 +792,7 @@
           <a:p>
             <a:fld id="{87DE6118-2437-4B30-8E3C-4D2BE6020583}" type="datetimeFigureOut">
               <a:rPr lang="en-US" dirty="0"/>
-              <a:t>12/20/2020</a:t>
+              <a:t>12/21/2020</a:t>
             </a:fld>
             <a:endParaRPr lang="en-US" dirty="0"/>
           </a:p>
@@ -956,7 +957,7 @@
           <a:p>
             <a:fld id="{87DE6118-2437-4B30-8E3C-4D2BE6020583}" type="datetimeFigureOut">
               <a:rPr lang="en-US" dirty="0"/>
-              <a:t>12/20/2020</a:t>
+              <a:t>12/21/2020</a:t>
             </a:fld>
             <a:endParaRPr lang="en-US" dirty="0"/>
           </a:p>
@@ -1229,7 +1230,7 @@
             <a:fld id="{87DE6118-2437-4B30-8E3C-4D2BE6020583}" type="datetimeFigureOut">
               <a:rPr lang="en-US" dirty="0"/>
               <a:pPr/>
-              <a:t>12/20/2020</a:t>
+              <a:t>12/21/2020</a:t>
             </a:fld>
             <a:endParaRPr lang="en-US" dirty="0"/>
           </a:p>
@@ -1619,7 +1620,7 @@
           <a:p>
             <a:fld id="{87DE6118-2437-4B30-8E3C-4D2BE6020583}" type="datetimeFigureOut">
               <a:rPr lang="en-US" dirty="0"/>
-              <a:t>12/20/2020</a:t>
+              <a:t>12/21/2020</a:t>
             </a:fld>
             <a:endParaRPr lang="en-US" dirty="0"/>
           </a:p>
@@ -2091,7 +2092,7 @@
           <a:p>
             <a:fld id="{87DE6118-2437-4B30-8E3C-4D2BE6020583}" type="datetimeFigureOut">
               <a:rPr lang="en-US" dirty="0"/>
-              <a:t>12/20/2020</a:t>
+              <a:t>12/21/2020</a:t>
             </a:fld>
             <a:endParaRPr lang="en-US" dirty="0"/>
           </a:p>
@@ -2204,7 +2205,7 @@
           <a:p>
             <a:fld id="{87DE6118-2437-4B30-8E3C-4D2BE6020583}" type="datetimeFigureOut">
               <a:rPr lang="en-US" dirty="0"/>
-              <a:t>12/20/2020</a:t>
+              <a:t>12/21/2020</a:t>
             </a:fld>
             <a:endParaRPr lang="en-US" dirty="0"/>
           </a:p>
@@ -2294,7 +2295,7 @@
           <a:p>
             <a:fld id="{87DE6118-2437-4B30-8E3C-4D2BE6020583}" type="datetimeFigureOut">
               <a:rPr lang="en-US" dirty="0"/>
-              <a:t>12/20/2020</a:t>
+              <a:t>12/21/2020</a:t>
             </a:fld>
             <a:endParaRPr lang="en-US" dirty="0"/>
           </a:p>
@@ -2636,7 +2637,7 @@
             <a:fld id="{87DE6118-2437-4B30-8E3C-4D2BE6020583}" type="datetimeFigureOut">
               <a:rPr lang="en-US" dirty="0"/>
               <a:pPr/>
-              <a:t>12/20/2020</a:t>
+              <a:t>12/21/2020</a:t>
             </a:fld>
             <a:endParaRPr lang="en-US" dirty="0"/>
           </a:p>
@@ -3021,7 +3022,7 @@
             <a:fld id="{87DE6118-2437-4B30-8E3C-4D2BE6020583}" type="datetimeFigureOut">
               <a:rPr lang="en-US" dirty="0"/>
               <a:pPr/>
-              <a:t>12/20/2020</a:t>
+              <a:t>12/21/2020</a:t>
             </a:fld>
             <a:endParaRPr lang="en-US" dirty="0"/>
           </a:p>
@@ -3296,7 +3297,7 @@
             <a:fld id="{87DE6118-2437-4B30-8E3C-4D2BE6020583}" type="datetimeFigureOut">
               <a:rPr lang="en-US" dirty="0"/>
               <a:pPr/>
-              <a:t>12/20/2020</a:t>
+              <a:t>12/21/2020</a:t>
             </a:fld>
             <a:endParaRPr lang="en-US" dirty="0"/>
           </a:p>
@@ -3891,6 +3892,118 @@
 </p:sld>
 </file>
 
+<file path=ppt/slides/slide10.xml><?xml version="1.0" encoding="utf-8"?>
+<p:sld xmlns:a="http://schemas.openxmlformats.org/drawingml/2006/main" xmlns:r="http://schemas.openxmlformats.org/officeDocument/2006/relationships" xmlns:p="http://schemas.openxmlformats.org/presentationml/2006/main">
+  <p:cSld>
+    <p:spTree>
+      <p:nvGrpSpPr>
+        <p:cNvPr id="1" name=""/>
+        <p:cNvGrpSpPr/>
+        <p:nvPr/>
+      </p:nvGrpSpPr>
+      <p:grpSpPr>
+        <a:xfrm>
+          <a:off x="0" y="0"/>
+          <a:ext cx="0" cy="0"/>
+          <a:chOff x="0" y="0"/>
+          <a:chExt cx="0" cy="0"/>
+        </a:xfrm>
+      </p:grpSpPr>
+      <p:sp>
+        <p:nvSpPr>
+          <p:cNvPr id="2" name="Title 1">
+            <a:extLst>
+              <a:ext uri="{FF2B5EF4-FFF2-40B4-BE49-F238E27FC236}">
+                <a16:creationId xmlns:a16="http://schemas.microsoft.com/office/drawing/2014/main" id="{B8368FE9-12DF-4A34-9FBD-79DFC7C75700}"/>
+              </a:ext>
+            </a:extLst>
+          </p:cNvPr>
+          <p:cNvSpPr>
+            <a:spLocks noGrp="1"/>
+          </p:cNvSpPr>
+          <p:nvPr>
+            <p:ph type="title"/>
+          </p:nvPr>
+        </p:nvSpPr>
+        <p:spPr/>
+        <p:txBody>
+          <a:bodyPr/>
+          <a:lstStyle/>
+          <a:p>
+            <a:r>
+              <a:rPr lang="en-US" dirty="0"/>
+              <a:t>Book References</a:t>
+            </a:r>
+          </a:p>
+        </p:txBody>
+      </p:sp>
+      <p:sp>
+        <p:nvSpPr>
+          <p:cNvPr id="3" name="Content Placeholder 2">
+            <a:extLst>
+              <a:ext uri="{FF2B5EF4-FFF2-40B4-BE49-F238E27FC236}">
+                <a16:creationId xmlns:a16="http://schemas.microsoft.com/office/drawing/2014/main" id="{30A4F501-4D00-41C3-B198-E9B27E5553ED}"/>
+              </a:ext>
+            </a:extLst>
+          </p:cNvPr>
+          <p:cNvSpPr>
+            <a:spLocks noGrp="1"/>
+          </p:cNvSpPr>
+          <p:nvPr>
+            <p:ph idx="1"/>
+          </p:nvPr>
+        </p:nvSpPr>
+        <p:spPr/>
+        <p:txBody>
+          <a:bodyPr/>
+          <a:lstStyle/>
+          <a:p>
+            <a:r>
+              <a:rPr lang="en-US" dirty="0"/>
+              <a:t>Learn Windows PowerShell in a Month of Lunches by Don Jones and Jeffery Hicks</a:t>
+            </a:r>
+          </a:p>
+          <a:p>
+            <a:r>
+              <a:rPr lang="en-US" dirty="0"/>
+              <a:t>Learn PowerShell Scripting in a Month of Lunches by Don Jones and Jeffery Hicks</a:t>
+            </a:r>
+          </a:p>
+          <a:p>
+            <a:r>
+              <a:rPr lang="en-US" dirty="0"/>
+              <a:t>Windows PowerShell Cookbook by Lee Holmes</a:t>
+            </a:r>
+          </a:p>
+          <a:p>
+            <a:r>
+              <a:rPr lang="en-US" dirty="0"/>
+              <a:t>Windows PowerShell for Developers: Enhance Your Productivity and Enable Rapid Application Development </a:t>
+            </a:r>
+            <a:r>
+              <a:rPr lang="en-US"/>
+              <a:t>by Douglas Finke</a:t>
+            </a:r>
+            <a:endParaRPr lang="en-US" dirty="0"/>
+          </a:p>
+          <a:p>
+            <a:endParaRPr lang="en-US" dirty="0"/>
+          </a:p>
+        </p:txBody>
+      </p:sp>
+    </p:spTree>
+    <p:extLst>
+      <p:ext uri="{BB962C8B-B14F-4D97-AF65-F5344CB8AC3E}">
+        <p14:creationId xmlns:p14="http://schemas.microsoft.com/office/powerpoint/2010/main" val="1343061872"/>
+      </p:ext>
+    </p:extLst>
+  </p:cSld>
+  <p:clrMapOvr>
+    <a:masterClrMapping/>
+  </p:clrMapOvr>
+</p:sld>
+</file>
+
 <file path=ppt/slides/slide2.xml><?xml version="1.0" encoding="utf-8"?>
 <p:sld xmlns:a="http://schemas.openxmlformats.org/drawingml/2006/main" xmlns:r="http://schemas.openxmlformats.org/officeDocument/2006/relationships" xmlns:p="http://schemas.openxmlformats.org/presentationml/2006/main">
   <p:cSld>
@@ -3970,7 +4083,7 @@
           <a:p>
             <a:r>
               <a:rPr lang="en-US" dirty="0"/>
-              <a:t>We needed to get our customer’s data migrated to our applications</a:t>
+              <a:t>We needed to get our new customer’s data migrated to our applications</a:t>
             </a:r>
           </a:p>
           <a:p>
@@ -4104,19 +4217,19 @@
           <a:p>
             <a:r>
               <a:rPr lang="en-US" dirty="0"/>
-              <a:t>PowerShell works with files and folders much better than SSIS</a:t>
-            </a:r>
-          </a:p>
-          <a:p>
-            <a:r>
-              <a:rPr lang="en-US" dirty="0"/>
-              <a:t>Now I use PowerShell for creating folders, importing CSV files, etc.</a:t>
-            </a:r>
-          </a:p>
-          <a:p>
-            <a:r>
-              <a:rPr lang="en-US" dirty="0"/>
-              <a:t>I still use SSIS to handle the ETL process after getting the CSV files into staging tables</a:t>
+              <a:t>It is much easier to use PowerShell to work with files and folders than SSIS</a:t>
+            </a:r>
+          </a:p>
+          <a:p>
+            <a:r>
+              <a:rPr lang="en-US" dirty="0"/>
+              <a:t>I use PowerShell for creating folders, importing CSV files, archiving CSV files, etc.</a:t>
+            </a:r>
+          </a:p>
+          <a:p>
+            <a:r>
+              <a:rPr lang="en-US" dirty="0"/>
+              <a:t>I still use SSIS to handle the ETL process after getting the CSV files loaded into staging tables</a:t>
             </a:r>
           </a:p>
         </p:txBody>
@@ -4214,19 +4327,19 @@
           <a:p>
             <a:r>
               <a:rPr lang="en-US" dirty="0"/>
-              <a:t>Create SQL Server database, schema and table on the; optimize later</a:t>
-            </a:r>
-          </a:p>
-          <a:p>
-            <a:r>
-              <a:rPr lang="en-US" dirty="0"/>
-              <a:t>Import each CSV file into a SQL Server staging table</a:t>
-            </a:r>
-          </a:p>
-          <a:p>
-            <a:r>
-              <a:rPr lang="en-US" dirty="0"/>
-              <a:t>Implement a simple process to import 1 to N CSV files from a folder</a:t>
+              <a:t>Create SQL Server database, schema and table on the fly; optimize later</a:t>
+            </a:r>
+          </a:p>
+          <a:p>
+            <a:r>
+              <a:rPr lang="en-US" dirty="0"/>
+              <a:t>Import a CSV file into a SQL Server staging table</a:t>
+            </a:r>
+          </a:p>
+          <a:p>
+            <a:r>
+              <a:rPr lang="en-US" dirty="0"/>
+              <a:t>Implement a simple process to import 1 to N CSV files in a folder to their respective staging tables</a:t>
             </a:r>
           </a:p>
           <a:p>
@@ -4465,7 +4578,7 @@
           <a:p>
             <a:r>
               <a:rPr lang="en-US" dirty="0"/>
-              <a:t>Import .CSV files only (for now)</a:t>
+              <a:t>Import .CSV files only </a:t>
             </a:r>
           </a:p>
           <a:p>
@@ -4477,21 +4590,27 @@
           <a:p>
             <a:r>
               <a:rPr lang="en-US" dirty="0"/>
-              <a:t>Import Folder Structure</a:t>
+              <a:t>Specify SQL Server Instance, Database Name and Schema Name in the PowerShell module</a:t>
+            </a:r>
+          </a:p>
+          <a:p>
+            <a:r>
+              <a:rPr lang="en-US" dirty="0"/>
+              <a:t>CSV Import Folder Structure</a:t>
             </a:r>
           </a:p>
           <a:p>
             <a:pPr lvl="1"/>
             <a:r>
               <a:rPr lang="en-US" dirty="0"/>
-              <a:t>Top-Level Folder: C:\EXTERNAL-FILES</a:t>
+              <a:t>Top-Level Folder: C:\EXTERNAL-FILES (configurable)</a:t>
             </a:r>
           </a:p>
           <a:p>
             <a:pPr lvl="1"/>
             <a:r>
               <a:rPr lang="en-US" dirty="0"/>
-              <a:t>Level-1 Folders: Customer abbreviation</a:t>
+              <a:t>Level-1 Folders: Customer identifier or abbreviation (configurable)</a:t>
             </a:r>
           </a:p>
           <a:p>
@@ -4542,7 +4661,7 @@
           <p:cNvPr id="2" name="Title 1">
             <a:extLst>
               <a:ext uri="{FF2B5EF4-FFF2-40B4-BE49-F238E27FC236}">
-                <a16:creationId xmlns:a16="http://schemas.microsoft.com/office/drawing/2014/main" id="{C12B4369-4798-4076-B256-7314E3FE2E1E}"/>
+                <a16:creationId xmlns:a16="http://schemas.microsoft.com/office/drawing/2014/main" id="{9BCA7D95-98C0-44EA-A160-BBC4C28316D1}"/>
               </a:ext>
             </a:extLst>
           </p:cNvPr>
@@ -4560,15 +4679,7 @@
           <a:p>
             <a:r>
               <a:rPr lang="en-US" dirty="0"/>
-              <a:t>Review Cmdlets in </a:t>
-            </a:r>
-            <a:r>
-              <a:rPr lang="en-US" dirty="0" err="1"/>
-              <a:t>ImportFramework</a:t>
-            </a:r>
-            <a:r>
-              <a:rPr lang="en-US" dirty="0"/>
-              <a:t> Module</a:t>
+              <a:t>Review SQL Server PowerShell Module</a:t>
             </a:r>
           </a:p>
         </p:txBody>
@@ -4578,7 +4689,7 @@
           <p:cNvPr id="3" name="Content Placeholder 2">
             <a:extLst>
               <a:ext uri="{FF2B5EF4-FFF2-40B4-BE49-F238E27FC236}">
-                <a16:creationId xmlns:a16="http://schemas.microsoft.com/office/drawing/2014/main" id="{89FBB29B-D904-47AC-BBFA-09E2BADE5862}"/>
+                <a16:creationId xmlns:a16="http://schemas.microsoft.com/office/drawing/2014/main" id="{0DDF8DC2-E89C-46EB-B501-C4C926B93027}"/>
               </a:ext>
             </a:extLst>
           </p:cNvPr>
@@ -4595,6 +4706,12 @@
           <a:lstStyle/>
           <a:p>
             <a:r>
+              <a:rPr lang="en-US" dirty="0"/>
+              <a:t>Installation</a:t>
+            </a:r>
+          </a:p>
+          <a:p>
+            <a:r>
               <a:rPr lang="en-US" sz="1800" dirty="0">
                 <a:solidFill>
                   <a:srgbClr val="0000FF"/>
@@ -4610,7 +4727,7 @@
                 </a:solidFill>
                 <a:latin typeface="Lucida Console" panose="020B0609040504020204" pitchFamily="49" charset="0"/>
               </a:rPr>
-              <a:t>ImportFrameworkConfiguration</a:t>
+              <a:t>SqlInstance</a:t>
             </a:r>
             <a:r>
               <a:rPr lang="en-US" sz="1800" dirty="0">
@@ -4619,7 +4736,11 @@
                 </a:solidFill>
                 <a:latin typeface="Lucida Console" panose="020B0609040504020204" pitchFamily="49" charset="0"/>
               </a:rPr>
-              <a:t>: get configuration data in module </a:t>
+              <a:t>: </a:t>
+            </a:r>
+            <a:r>
+              <a:rPr lang="en-US" dirty="0"/>
+              <a:t>Get SQL Server instance information</a:t>
             </a:r>
           </a:p>
           <a:p>
@@ -4630,7 +4751,7 @@
                 </a:solidFill>
                 <a:latin typeface="Lucida Console" panose="020B0609040504020204" pitchFamily="49" charset="0"/>
               </a:rPr>
-              <a:t>Get-</a:t>
+              <a:t>Invoke-</a:t>
             </a:r>
             <a:r>
               <a:rPr lang="en-US" sz="1800" dirty="0" err="1">
@@ -4639,7 +4760,7 @@
                 </a:solidFill>
                 <a:latin typeface="Lucida Console" panose="020B0609040504020204" pitchFamily="49" charset="0"/>
               </a:rPr>
-              <a:t>CsvCustomerPath</a:t>
+              <a:t>Sqlcmd</a:t>
             </a:r>
             <a:r>
               <a:rPr lang="en-US" sz="1800" dirty="0">
@@ -4648,7 +4769,11 @@
                 </a:solidFill>
                 <a:latin typeface="Lucida Console" panose="020B0609040504020204" pitchFamily="49" charset="0"/>
               </a:rPr>
-              <a:t>: get full path to the customer import folder; CSV files get dropped here  </a:t>
+              <a:t>: </a:t>
+            </a:r>
+            <a:r>
+              <a:rPr lang="en-US" dirty="0"/>
+              <a:t>Execute a T-SQL command</a:t>
             </a:r>
           </a:p>
           <a:p>
@@ -4659,7 +4784,7 @@
                 </a:solidFill>
                 <a:latin typeface="Lucida Console" panose="020B0609040504020204" pitchFamily="49" charset="0"/>
               </a:rPr>
-              <a:t>Get-</a:t>
+              <a:t>Write-</a:t>
             </a:r>
             <a:r>
               <a:rPr lang="en-US" sz="1800" dirty="0" err="1">
@@ -4668,7 +4793,7 @@
                 </a:solidFill>
                 <a:latin typeface="Lucida Console" panose="020B0609040504020204" pitchFamily="49" charset="0"/>
               </a:rPr>
-              <a:t>AvailableCsvCustomerFile</a:t>
+              <a:t>SqlTableData</a:t>
             </a:r>
             <a:r>
               <a:rPr lang="en-US" sz="1800" dirty="0">
@@ -4677,7 +4802,11 @@
                 </a:solidFill>
                 <a:latin typeface="Lucida Console" panose="020B0609040504020204" pitchFamily="49" charset="0"/>
               </a:rPr>
-              <a:t>: get the list of CSV files in the customer import folder </a:t>
+              <a:t>: </a:t>
+            </a:r>
+            <a:r>
+              <a:rPr lang="en-US" dirty="0"/>
+              <a:t>Insert rows into a SQL Server table</a:t>
             </a:r>
           </a:p>
           <a:p>
@@ -4688,7 +4817,7 @@
                 </a:solidFill>
                 <a:latin typeface="Lucida Console" panose="020B0609040504020204" pitchFamily="49" charset="0"/>
               </a:rPr>
-              <a:t>Import-</a:t>
+              <a:t>Read-</a:t>
             </a:r>
             <a:r>
               <a:rPr lang="en-US" sz="1800" dirty="0" err="1">
@@ -4697,7 +4826,7 @@
                 </a:solidFill>
                 <a:latin typeface="Lucida Console" panose="020B0609040504020204" pitchFamily="49" charset="0"/>
               </a:rPr>
-              <a:t>CsvCustomerFile</a:t>
+              <a:t>SqlTableData</a:t>
             </a:r>
             <a:r>
               <a:rPr lang="en-US" sz="1800" dirty="0">
@@ -4706,42 +4835,43 @@
                 </a:solidFill>
                 <a:latin typeface="Lucida Console" panose="020B0609040504020204" pitchFamily="49" charset="0"/>
               </a:rPr>
-              <a:t>: import the available CSV files into their respective staging tables; move import files to archive folder  </a:t>
-            </a:r>
-          </a:p>
-          <a:p>
-            <a:endParaRPr lang="en-US" sz="1800" dirty="0">
-              <a:solidFill>
-                <a:srgbClr val="0000FF"/>
-              </a:solidFill>
-              <a:latin typeface="Lucida Console" panose="020B0609040504020204" pitchFamily="49" charset="0"/>
-            </a:endParaRPr>
-          </a:p>
-          <a:p>
-            <a:endParaRPr lang="en-US" sz="1800" dirty="0">
-              <a:solidFill>
-                <a:srgbClr val="0000FF"/>
-              </a:solidFill>
-              <a:latin typeface="Lucida Console" panose="020B0609040504020204" pitchFamily="49" charset="0"/>
-            </a:endParaRPr>
-          </a:p>
-          <a:p>
-            <a:endParaRPr lang="en-US" sz="1800" dirty="0">
-              <a:solidFill>
-                <a:srgbClr val="0000FF"/>
-              </a:solidFill>
-              <a:latin typeface="Lucida Console" panose="020B0609040504020204" pitchFamily="49" charset="0"/>
-            </a:endParaRPr>
-          </a:p>
-          <a:p>
-            <a:endParaRPr lang="en-US" dirty="0"/>
+              <a:t>: </a:t>
+            </a:r>
+            <a:r>
+              <a:rPr lang="en-US" dirty="0"/>
+              <a:t>Select rows from a SQL Server table</a:t>
+            </a:r>
+          </a:p>
+          <a:p>
+            <a:r>
+              <a:rPr lang="en-US" sz="1800" dirty="0">
+                <a:solidFill>
+                  <a:srgbClr val="0000FF"/>
+                </a:solidFill>
+                <a:latin typeface="Lucida Console" panose="020B0609040504020204" pitchFamily="49" charset="0"/>
+              </a:rPr>
+              <a:t>Read-</a:t>
+            </a:r>
+            <a:r>
+              <a:rPr lang="en-US" sz="1800" dirty="0" err="1">
+                <a:solidFill>
+                  <a:srgbClr val="0000FF"/>
+                </a:solidFill>
+                <a:latin typeface="Lucida Console" panose="020B0609040504020204" pitchFamily="49" charset="0"/>
+              </a:rPr>
+              <a:t>SqlViewData</a:t>
+            </a:r>
+            <a:r>
+              <a:rPr lang="en-US" dirty="0"/>
+              <a:t>: Select rows from a SQL Server view</a:t>
+            </a:r>
           </a:p>
         </p:txBody>
       </p:sp>
     </p:spTree>
     <p:extLst>
       <p:ext uri="{BB962C8B-B14F-4D97-AF65-F5344CB8AC3E}">
-        <p14:creationId xmlns:p14="http://schemas.microsoft.com/office/powerpoint/2010/main" val="1505845201"/>
+        <p14:creationId xmlns:p14="http://schemas.microsoft.com/office/powerpoint/2010/main" val="2606898670"/>
       </p:ext>
     </p:extLst>
   </p:cSld>
@@ -4773,7 +4903,7 @@
           <p:cNvPr id="2" name="Title 1">
             <a:extLst>
               <a:ext uri="{FF2B5EF4-FFF2-40B4-BE49-F238E27FC236}">
-                <a16:creationId xmlns:a16="http://schemas.microsoft.com/office/drawing/2014/main" id="{3ACC5081-6657-4055-A7BA-43C0E043B1E8}"/>
+                <a16:creationId xmlns:a16="http://schemas.microsoft.com/office/drawing/2014/main" id="{C12B4369-4798-4076-B256-7314E3FE2E1E}"/>
               </a:ext>
             </a:extLst>
           </p:cNvPr>
@@ -4791,7 +4921,15 @@
           <a:p>
             <a:r>
               <a:rPr lang="en-US" dirty="0"/>
-              <a:t>Demo</a:t>
+              <a:t>Review Cmdlets in </a:t>
+            </a:r>
+            <a:r>
+              <a:rPr lang="en-US" dirty="0" err="1"/>
+              <a:t>ImportFramework</a:t>
+            </a:r>
+            <a:r>
+              <a:rPr lang="en-US" dirty="0"/>
+              <a:t> Module</a:t>
             </a:r>
           </a:p>
         </p:txBody>
@@ -4801,7 +4939,7 @@
           <p:cNvPr id="3" name="Content Placeholder 2">
             <a:extLst>
               <a:ext uri="{FF2B5EF4-FFF2-40B4-BE49-F238E27FC236}">
-                <a16:creationId xmlns:a16="http://schemas.microsoft.com/office/drawing/2014/main" id="{8B63C7D9-019A-433B-9A26-F2581A948D1C}"/>
+                <a16:creationId xmlns:a16="http://schemas.microsoft.com/office/drawing/2014/main" id="{89FBB29B-D904-47AC-BBFA-09E2BADE5862}"/>
               </a:ext>
             </a:extLst>
           </p:cNvPr>
@@ -4814,43 +4952,222 @@
         </p:nvSpPr>
         <p:spPr/>
         <p:txBody>
-          <a:bodyPr/>
+          <a:bodyPr>
+            <a:normAutofit fontScale="92500"/>
+          </a:bodyPr>
           <a:lstStyle/>
           <a:p>
             <a:r>
-              <a:rPr lang="en-US" dirty="0"/>
-              <a:t>SQLSERVER PowerShell Module created by Microsoft</a:t>
-            </a:r>
-          </a:p>
-          <a:p>
-            <a:r>
-              <a:rPr lang="en-US" dirty="0"/>
-              <a:t>Review Cmdlets in </a:t>
-            </a:r>
-            <a:r>
-              <a:rPr lang="en-US" dirty="0" err="1"/>
-              <a:t>ImportFramework</a:t>
-            </a:r>
-            <a:r>
-              <a:rPr lang="en-US" dirty="0"/>
-              <a:t> module</a:t>
-            </a:r>
-          </a:p>
-          <a:p>
-            <a:r>
-              <a:rPr lang="en-US" dirty="0"/>
-              <a:t>Run Cmdlets from PowerShell</a:t>
-            </a:r>
-          </a:p>
-          <a:p>
-            <a:r>
-              <a:rPr lang="en-US" dirty="0"/>
-              <a:t>Execute Cmdlet from SQL Agent PowerShell </a:t>
-            </a:r>
-            <a:r>
-              <a:rPr lang="en-US"/>
-              <a:t>job step</a:t>
-            </a:r>
+              <a:rPr lang="en-US" sz="1800" dirty="0">
+                <a:solidFill>
+                  <a:srgbClr val="0000FF"/>
+                </a:solidFill>
+                <a:latin typeface="Lucida Console" panose="020B0609040504020204" pitchFamily="49" charset="0"/>
+              </a:rPr>
+              <a:t>Get-</a:t>
+            </a:r>
+            <a:r>
+              <a:rPr lang="en-US" sz="1800" dirty="0" err="1">
+                <a:solidFill>
+                  <a:srgbClr val="0000FF"/>
+                </a:solidFill>
+                <a:latin typeface="Lucida Console" panose="020B0609040504020204" pitchFamily="49" charset="0"/>
+              </a:rPr>
+              <a:t>ImportFrameworkConfiguration</a:t>
+            </a:r>
+            <a:r>
+              <a:rPr lang="en-US" sz="1800" dirty="0">
+                <a:solidFill>
+                  <a:srgbClr val="0000FF"/>
+                </a:solidFill>
+                <a:latin typeface="Lucida Console" panose="020B0609040504020204" pitchFamily="49" charset="0"/>
+              </a:rPr>
+              <a:t>: get configuration data in module </a:t>
+            </a:r>
+          </a:p>
+          <a:p>
+            <a:r>
+              <a:rPr lang="en-US" sz="1800" dirty="0">
+                <a:solidFill>
+                  <a:srgbClr val="0000FF"/>
+                </a:solidFill>
+                <a:latin typeface="Lucida Console" panose="020B0609040504020204" pitchFamily="49" charset="0"/>
+              </a:rPr>
+              <a:t>Create-</a:t>
+            </a:r>
+            <a:r>
+              <a:rPr lang="en-US" sz="1800" dirty="0" err="1">
+                <a:solidFill>
+                  <a:srgbClr val="0000FF"/>
+                </a:solidFill>
+                <a:latin typeface="Lucida Console" panose="020B0609040504020204" pitchFamily="49" charset="0"/>
+              </a:rPr>
+              <a:t>CustomerImportFolder</a:t>
+            </a:r>
+            <a:r>
+              <a:rPr lang="en-US" sz="1800" dirty="0">
+                <a:solidFill>
+                  <a:srgbClr val="0000FF"/>
+                </a:solidFill>
+                <a:latin typeface="Lucida Console" panose="020B0609040504020204" pitchFamily="49" charset="0"/>
+              </a:rPr>
+              <a:t>: create the folder structure for importing CSV files</a:t>
+            </a:r>
+          </a:p>
+          <a:p>
+            <a:r>
+              <a:rPr lang="en-US" sz="1800" dirty="0">
+                <a:solidFill>
+                  <a:srgbClr val="0000FF"/>
+                </a:solidFill>
+                <a:latin typeface="Lucida Console" panose="020B0609040504020204" pitchFamily="49" charset="0"/>
+              </a:rPr>
+              <a:t>Get-</a:t>
+            </a:r>
+            <a:r>
+              <a:rPr lang="en-US" sz="1800" dirty="0" err="1">
+                <a:solidFill>
+                  <a:srgbClr val="0000FF"/>
+                </a:solidFill>
+                <a:latin typeface="Lucida Console" panose="020B0609040504020204" pitchFamily="49" charset="0"/>
+              </a:rPr>
+              <a:t>CsvCustomerPath</a:t>
+            </a:r>
+            <a:r>
+              <a:rPr lang="en-US" sz="1800" dirty="0">
+                <a:solidFill>
+                  <a:srgbClr val="0000FF"/>
+                </a:solidFill>
+                <a:latin typeface="Lucida Console" panose="020B0609040504020204" pitchFamily="49" charset="0"/>
+              </a:rPr>
+              <a:t>: get the full path to the customer import folder; CSV files get dropped here  </a:t>
+            </a:r>
+          </a:p>
+          <a:p>
+            <a:r>
+              <a:rPr lang="en-US" sz="1800" dirty="0">
+                <a:solidFill>
+                  <a:srgbClr val="0000FF"/>
+                </a:solidFill>
+                <a:latin typeface="Lucida Console" panose="020B0609040504020204" pitchFamily="49" charset="0"/>
+              </a:rPr>
+              <a:t>Get-</a:t>
+            </a:r>
+            <a:r>
+              <a:rPr lang="en-US" sz="1800" dirty="0" err="1">
+                <a:solidFill>
+                  <a:srgbClr val="0000FF"/>
+                </a:solidFill>
+                <a:latin typeface="Lucida Console" panose="020B0609040504020204" pitchFamily="49" charset="0"/>
+              </a:rPr>
+              <a:t>AvailableCsvCustomerFile</a:t>
+            </a:r>
+            <a:r>
+              <a:rPr lang="en-US" sz="1800" dirty="0">
+                <a:solidFill>
+                  <a:srgbClr val="0000FF"/>
+                </a:solidFill>
+                <a:latin typeface="Lucida Console" panose="020B0609040504020204" pitchFamily="49" charset="0"/>
+              </a:rPr>
+              <a:t>: get the list of CSV files in the customer import folder </a:t>
+            </a:r>
+          </a:p>
+          <a:p>
+            <a:r>
+              <a:rPr lang="en-US" sz="1800" dirty="0">
+                <a:solidFill>
+                  <a:srgbClr val="0000FF"/>
+                </a:solidFill>
+                <a:latin typeface="Lucida Console" panose="020B0609040504020204" pitchFamily="49" charset="0"/>
+              </a:rPr>
+              <a:t>Create-</a:t>
+            </a:r>
+            <a:r>
+              <a:rPr lang="en-US" sz="1800" dirty="0" err="1">
+                <a:solidFill>
+                  <a:srgbClr val="0000FF"/>
+                </a:solidFill>
+                <a:latin typeface="Lucida Console" panose="020B0609040504020204" pitchFamily="49" charset="0"/>
+              </a:rPr>
+              <a:t>TableScriptFromCsv</a:t>
+            </a:r>
+            <a:r>
+              <a:rPr lang="en-US" sz="1800" dirty="0">
+                <a:solidFill>
+                  <a:srgbClr val="0000FF"/>
+                </a:solidFill>
+                <a:latin typeface="Lucida Console" panose="020B0609040504020204" pitchFamily="49" charset="0"/>
+              </a:rPr>
+              <a:t>: read the CSV file and generate a CREATE </a:t>
+            </a:r>
+            <a:r>
+              <a:rPr lang="en-US" sz="1800">
+                <a:solidFill>
+                  <a:srgbClr val="0000FF"/>
+                </a:solidFill>
+                <a:latin typeface="Lucida Console" panose="020B0609040504020204" pitchFamily="49" charset="0"/>
+              </a:rPr>
+              <a:t>TABLE script</a:t>
+            </a:r>
+            <a:endParaRPr lang="en-US" sz="1800" dirty="0">
+              <a:solidFill>
+                <a:srgbClr val="0000FF"/>
+              </a:solidFill>
+              <a:latin typeface="Lucida Console" panose="020B0609040504020204" pitchFamily="49" charset="0"/>
+            </a:endParaRPr>
+          </a:p>
+          <a:p>
+            <a:r>
+              <a:rPr lang="en-US" sz="1800" dirty="0">
+                <a:solidFill>
+                  <a:srgbClr val="0000FF"/>
+                </a:solidFill>
+                <a:latin typeface="Lucida Console" panose="020B0609040504020204" pitchFamily="49" charset="0"/>
+              </a:rPr>
+              <a:t>Import-</a:t>
+            </a:r>
+            <a:r>
+              <a:rPr lang="en-US" sz="1800" dirty="0" err="1">
+                <a:solidFill>
+                  <a:srgbClr val="0000FF"/>
+                </a:solidFill>
+                <a:latin typeface="Lucida Console" panose="020B0609040504020204" pitchFamily="49" charset="0"/>
+              </a:rPr>
+              <a:t>CsvCustomerFile</a:t>
+            </a:r>
+            <a:r>
+              <a:rPr lang="en-US" sz="1800" dirty="0">
+                <a:solidFill>
+                  <a:srgbClr val="0000FF"/>
+                </a:solidFill>
+                <a:latin typeface="Lucida Console" panose="020B0609040504020204" pitchFamily="49" charset="0"/>
+              </a:rPr>
+              <a:t>: import the available CSV files into their respective staging tables; move import files to archive folder  </a:t>
+            </a:r>
+          </a:p>
+          <a:p>
+            <a:endParaRPr lang="en-US" sz="1800" dirty="0">
+              <a:solidFill>
+                <a:srgbClr val="0000FF"/>
+              </a:solidFill>
+              <a:latin typeface="Lucida Console" panose="020B0609040504020204" pitchFamily="49" charset="0"/>
+            </a:endParaRPr>
+          </a:p>
+          <a:p>
+            <a:endParaRPr lang="en-US" sz="1800" dirty="0">
+              <a:solidFill>
+                <a:srgbClr val="0000FF"/>
+              </a:solidFill>
+              <a:latin typeface="Lucida Console" panose="020B0609040504020204" pitchFamily="49" charset="0"/>
+            </a:endParaRPr>
+          </a:p>
+          <a:p>
+            <a:endParaRPr lang="en-US" sz="1800" dirty="0">
+              <a:solidFill>
+                <a:srgbClr val="0000FF"/>
+              </a:solidFill>
+              <a:latin typeface="Lucida Console" panose="020B0609040504020204" pitchFamily="49" charset="0"/>
+            </a:endParaRPr>
           </a:p>
           <a:p>
             <a:endParaRPr lang="en-US" dirty="0"/>
@@ -4860,7 +5177,7 @@
     </p:spTree>
     <p:extLst>
       <p:ext uri="{BB962C8B-B14F-4D97-AF65-F5344CB8AC3E}">
-        <p14:creationId xmlns:p14="http://schemas.microsoft.com/office/powerpoint/2010/main" val="2997414935"/>
+        <p14:creationId xmlns:p14="http://schemas.microsoft.com/office/powerpoint/2010/main" val="1505845201"/>
       </p:ext>
     </p:extLst>
   </p:cSld>
@@ -4892,7 +5209,7 @@
           <p:cNvPr id="2" name="Title 1">
             <a:extLst>
               <a:ext uri="{FF2B5EF4-FFF2-40B4-BE49-F238E27FC236}">
-                <a16:creationId xmlns:a16="http://schemas.microsoft.com/office/drawing/2014/main" id="{B8368FE9-12DF-4A34-9FBD-79DFC7C75700}"/>
+                <a16:creationId xmlns:a16="http://schemas.microsoft.com/office/drawing/2014/main" id="{3ACC5081-6657-4055-A7BA-43C0E043B1E8}"/>
               </a:ext>
             </a:extLst>
           </p:cNvPr>
@@ -4910,7 +5227,7 @@
           <a:p>
             <a:r>
               <a:rPr lang="en-US" dirty="0"/>
-              <a:t>Book References</a:t>
+              <a:t>Demo</a:t>
             </a:r>
           </a:p>
         </p:txBody>
@@ -4920,7 +5237,7 @@
           <p:cNvPr id="3" name="Content Placeholder 2">
             <a:extLst>
               <a:ext uri="{FF2B5EF4-FFF2-40B4-BE49-F238E27FC236}">
-                <a16:creationId xmlns:a16="http://schemas.microsoft.com/office/drawing/2014/main" id="{30A4F501-4D00-41C3-B198-E9B27E5553ED}"/>
+                <a16:creationId xmlns:a16="http://schemas.microsoft.com/office/drawing/2014/main" id="{8B63C7D9-019A-433B-9A26-F2581A948D1C}"/>
               </a:ext>
             </a:extLst>
           </p:cNvPr>
@@ -4938,31 +5255,22 @@
           <a:p>
             <a:r>
               <a:rPr lang="en-US" dirty="0"/>
-              <a:t>Learn Windows PowerShell in a Month of Lunches by Don Jones and Jeffery Hicks</a:t>
-            </a:r>
-          </a:p>
-          <a:p>
-            <a:r>
-              <a:rPr lang="en-US" dirty="0"/>
-              <a:t>Learn PowerShell Scripting in a Month of Lunches by Don Jones and Jeffery Hicks</a:t>
-            </a:r>
-          </a:p>
-          <a:p>
-            <a:r>
-              <a:rPr lang="en-US" dirty="0"/>
-              <a:t>Windows PowerShell Cookbook by Lee Holmes</a:t>
-            </a:r>
-          </a:p>
-          <a:p>
-            <a:r>
-              <a:rPr lang="en-US" dirty="0"/>
-              <a:t>Windows PowerShell for Developers: Enhance Your Productivity and Enable Rapid Application Development </a:t>
-            </a:r>
-            <a:r>
-              <a:rPr lang="en-US"/>
-              <a:t>by Douglas Finke</a:t>
-            </a:r>
-            <a:endParaRPr lang="en-US" dirty="0"/>
+              <a:t>Test </a:t>
+            </a:r>
+            <a:r>
+              <a:rPr lang="en-US" dirty="0" err="1"/>
+              <a:t>ImportFramework</a:t>
+            </a:r>
+            <a:r>
+              <a:rPr lang="en-US" dirty="0"/>
+              <a:t> module Cmdlets from PowerShell</a:t>
+            </a:r>
+          </a:p>
+          <a:p>
+            <a:r>
+              <a:rPr lang="en-US" dirty="0"/>
+              <a:t>Execute Cmdlet from SQL Agent PowerShell job step</a:t>
+            </a:r>
           </a:p>
           <a:p>
             <a:endParaRPr lang="en-US" dirty="0"/>
@@ -4972,7 +5280,7 @@
     </p:spTree>
     <p:extLst>
       <p:ext uri="{BB962C8B-B14F-4D97-AF65-F5344CB8AC3E}">
-        <p14:creationId xmlns:p14="http://schemas.microsoft.com/office/powerpoint/2010/main" val="1343061872"/>
+        <p14:creationId xmlns:p14="http://schemas.microsoft.com/office/powerpoint/2010/main" val="2997414935"/>
       </p:ext>
     </p:extLst>
   </p:cSld>
